--- a/P12.pptx
+++ b/P12.pptx
@@ -1,6 +1,6 @@
 
 <file path=ppt/presentation.xml><?xml version="1.0" encoding="utf-8"?>
-<p:presentation xmlns:a="http://schemas.openxmlformats.org/drawingml/2006/main" xmlns:r="http://schemas.openxmlformats.org/officeDocument/2006/relationships" xmlns:mc="http://schemas.openxmlformats.org/markup-compatibility/2006" xmlns:mv="urn:schemas-microsoft-com:mac:vml" xmlns:p="http://schemas.openxmlformats.org/presentationml/2006/main" xmlns:c="http://schemas.openxmlformats.org/drawingml/2006/chart" xmlns:dgm="http://schemas.openxmlformats.org/drawingml/2006/diagram" xmlns:o="urn:schemas-microsoft-com:office:office" xmlns:v="urn:schemas-microsoft-com:vml" xmlns:pvml="urn:schemas-microsoft-com:office:powerpoint" xmlns:com="http://schemas.openxmlformats.org/drawingml/2006/compatibility" xmlns:p14="http://schemas.microsoft.com/office/powerpoint/2010/main" xmlns:p15="http://schemas.microsoft.com/office/powerpoint/2012/main" autoCompressPictures="0" embedTrueTypeFonts="1" strictFirstAndLastChars="0" saveSubsetFonts="1">
+<p:presentation xmlns:a="http://schemas.openxmlformats.org/drawingml/2006/main" xmlns:r="http://schemas.openxmlformats.org/officeDocument/2006/relationships" xmlns:mc="http://schemas.openxmlformats.org/markup-compatibility/2006" xmlns:mv="urn:schemas-microsoft-com:mac:vml" xmlns:p="http://schemas.openxmlformats.org/presentationml/2006/main" xmlns:c="http://schemas.openxmlformats.org/drawingml/2006/chart" xmlns:dgm="http://schemas.openxmlformats.org/drawingml/2006/diagram" xmlns:o="urn:schemas-microsoft-com:office:office" xmlns:v="urn:schemas-microsoft-com:vml" xmlns:pvml="urn:schemas-microsoft-com:office:powerpoint" xmlns:com="http://schemas.openxmlformats.org/drawingml/2006/compatibility" xmlns:p14="http://schemas.microsoft.com/office/powerpoint/2010/main" xmlns:p15="http://schemas.microsoft.com/office/powerpoint/2012/main" xmlns:ahyp="http://schemas.microsoft.com/office/drawing/2018/hyperlinkcolor" autoCompressPictures="0" embedTrueTypeFonts="1" strictFirstAndLastChars="0" saveSubsetFonts="1">
   <p:sldMasterIdLst>
     <p:sldMasterId id="2147483659" r:id="rId4"/>
   </p:sldMasterIdLst>
@@ -27,23 +27,24 @@
     <p:sldId id="272" r:id="rId22"/>
     <p:sldId id="273" r:id="rId23"/>
     <p:sldId id="274" r:id="rId24"/>
+    <p:sldId id="275" r:id="rId25"/>
   </p:sldIdLst>
   <p:sldSz cy="5143500" cx="9144000"/>
   <p:notesSz cx="6858000" cy="9144000"/>
   <p:embeddedFontLst>
     <p:embeddedFont>
       <p:font typeface="Montserrat"/>
-      <p:regular r:id="rId25"/>
-      <p:bold r:id="rId26"/>
-      <p:italic r:id="rId27"/>
-      <p:boldItalic r:id="rId28"/>
+      <p:regular r:id="rId26"/>
+      <p:bold r:id="rId27"/>
+      <p:italic r:id="rId28"/>
+      <p:boldItalic r:id="rId29"/>
     </p:embeddedFont>
     <p:embeddedFont>
       <p:font typeface="Lato"/>
-      <p:regular r:id="rId29"/>
-      <p:bold r:id="rId30"/>
-      <p:italic r:id="rId31"/>
-      <p:boldItalic r:id="rId32"/>
+      <p:regular r:id="rId30"/>
+      <p:bold r:id="rId31"/>
+      <p:italic r:id="rId32"/>
+      <p:boldItalic r:id="rId33"/>
     </p:embeddedFont>
   </p:embeddedFontLst>
   <p:defaultTextStyle>
@@ -295,7 +296,7 @@
 </file>
 
 <file path=ppt/notesMasters/notesMaster1.xml><?xml version="1.0" encoding="utf-8"?>
-<p:notesMaster xmlns:a="http://schemas.openxmlformats.org/drawingml/2006/main" xmlns:r="http://schemas.openxmlformats.org/officeDocument/2006/relationships" xmlns:mc="http://schemas.openxmlformats.org/markup-compatibility/2006" xmlns:mv="urn:schemas-microsoft-com:mac:vml" xmlns:p="http://schemas.openxmlformats.org/presentationml/2006/main" xmlns:c="http://schemas.openxmlformats.org/drawingml/2006/chart" xmlns:dgm="http://schemas.openxmlformats.org/drawingml/2006/diagram" xmlns:o="urn:schemas-microsoft-com:office:office" xmlns:v="urn:schemas-microsoft-com:vml" xmlns:pvml="urn:schemas-microsoft-com:office:powerpoint" xmlns:com="http://schemas.openxmlformats.org/drawingml/2006/compatibility" xmlns:p14="http://schemas.microsoft.com/office/powerpoint/2010/main" xmlns:p15="http://schemas.microsoft.com/office/powerpoint/2012/main">
+<p:notesMaster xmlns:a="http://schemas.openxmlformats.org/drawingml/2006/main" xmlns:r="http://schemas.openxmlformats.org/officeDocument/2006/relationships" xmlns:mc="http://schemas.openxmlformats.org/markup-compatibility/2006" xmlns:mv="urn:schemas-microsoft-com:mac:vml" xmlns:p="http://schemas.openxmlformats.org/presentationml/2006/main" xmlns:c="http://schemas.openxmlformats.org/drawingml/2006/chart" xmlns:dgm="http://schemas.openxmlformats.org/drawingml/2006/diagram" xmlns:o="urn:schemas-microsoft-com:office:office" xmlns:v="urn:schemas-microsoft-com:vml" xmlns:pvml="urn:schemas-microsoft-com:office:powerpoint" xmlns:com="http://schemas.openxmlformats.org/drawingml/2006/compatibility" xmlns:p14="http://schemas.microsoft.com/office/powerpoint/2010/main" xmlns:p15="http://schemas.microsoft.com/office/powerpoint/2012/main" xmlns:ahyp="http://schemas.microsoft.com/office/drawing/2018/hyperlinkcolor">
   <p:cSld>
     <p:spTree>
       <p:nvGrpSpPr>
@@ -721,7 +722,7 @@
 </file>
 
 <file path=ppt/notesSlides/notesSlide1.xml><?xml version="1.0" encoding="utf-8"?>
-<p:notes xmlns:a="http://schemas.openxmlformats.org/drawingml/2006/main" xmlns:r="http://schemas.openxmlformats.org/officeDocument/2006/relationships" xmlns:mc="http://schemas.openxmlformats.org/markup-compatibility/2006" xmlns:mv="urn:schemas-microsoft-com:mac:vml" xmlns:p="http://schemas.openxmlformats.org/presentationml/2006/main" xmlns:c="http://schemas.openxmlformats.org/drawingml/2006/chart" xmlns:dgm="http://schemas.openxmlformats.org/drawingml/2006/diagram" xmlns:o="urn:schemas-microsoft-com:office:office" xmlns:v="urn:schemas-microsoft-com:vml" xmlns:pvml="urn:schemas-microsoft-com:office:powerpoint" xmlns:com="http://schemas.openxmlformats.org/drawingml/2006/compatibility" xmlns:p14="http://schemas.microsoft.com/office/powerpoint/2010/main" xmlns:p15="http://schemas.microsoft.com/office/powerpoint/2012/main" showMasterPhAnim="0" showMasterSp="0">
+<p:notes xmlns:a="http://schemas.openxmlformats.org/drawingml/2006/main" xmlns:r="http://schemas.openxmlformats.org/officeDocument/2006/relationships" xmlns:mc="http://schemas.openxmlformats.org/markup-compatibility/2006" xmlns:mv="urn:schemas-microsoft-com:mac:vml" xmlns:p="http://schemas.openxmlformats.org/presentationml/2006/main" xmlns:c="http://schemas.openxmlformats.org/drawingml/2006/chart" xmlns:dgm="http://schemas.openxmlformats.org/drawingml/2006/diagram" xmlns:o="urn:schemas-microsoft-com:office:office" xmlns:v="urn:schemas-microsoft-com:vml" xmlns:pvml="urn:schemas-microsoft-com:office:powerpoint" xmlns:com="http://schemas.openxmlformats.org/drawingml/2006/compatibility" xmlns:p14="http://schemas.microsoft.com/office/powerpoint/2010/main" xmlns:p15="http://schemas.microsoft.com/office/powerpoint/2012/main" xmlns:ahyp="http://schemas.microsoft.com/office/drawing/2018/hyperlinkcolor" showMasterPhAnim="0" showMasterSp="0">
   <p:cSld>
     <p:spTree>
       <p:nvGrpSpPr>
@@ -820,7 +821,7 @@
 </file>
 
 <file path=ppt/notesSlides/notesSlide10.xml><?xml version="1.0" encoding="utf-8"?>
-<p:notes xmlns:a="http://schemas.openxmlformats.org/drawingml/2006/main" xmlns:r="http://schemas.openxmlformats.org/officeDocument/2006/relationships" xmlns:mc="http://schemas.openxmlformats.org/markup-compatibility/2006" xmlns:mv="urn:schemas-microsoft-com:mac:vml" xmlns:p="http://schemas.openxmlformats.org/presentationml/2006/main" xmlns:c="http://schemas.openxmlformats.org/drawingml/2006/chart" xmlns:dgm="http://schemas.openxmlformats.org/drawingml/2006/diagram" xmlns:o="urn:schemas-microsoft-com:office:office" xmlns:v="urn:schemas-microsoft-com:vml" xmlns:pvml="urn:schemas-microsoft-com:office:powerpoint" xmlns:com="http://schemas.openxmlformats.org/drawingml/2006/compatibility" xmlns:p14="http://schemas.microsoft.com/office/powerpoint/2010/main" xmlns:p15="http://schemas.microsoft.com/office/powerpoint/2012/main" showMasterPhAnim="0" showMasterSp="0">
+<p:notes xmlns:a="http://schemas.openxmlformats.org/drawingml/2006/main" xmlns:r="http://schemas.openxmlformats.org/officeDocument/2006/relationships" xmlns:mc="http://schemas.openxmlformats.org/markup-compatibility/2006" xmlns:mv="urn:schemas-microsoft-com:mac:vml" xmlns:p="http://schemas.openxmlformats.org/presentationml/2006/main" xmlns:c="http://schemas.openxmlformats.org/drawingml/2006/chart" xmlns:dgm="http://schemas.openxmlformats.org/drawingml/2006/diagram" xmlns:o="urn:schemas-microsoft-com:office:office" xmlns:v="urn:schemas-microsoft-com:vml" xmlns:pvml="urn:schemas-microsoft-com:office:powerpoint" xmlns:com="http://schemas.openxmlformats.org/drawingml/2006/compatibility" xmlns:p14="http://schemas.microsoft.com/office/powerpoint/2010/main" xmlns:p15="http://schemas.microsoft.com/office/powerpoint/2012/main" xmlns:ahyp="http://schemas.microsoft.com/office/drawing/2018/hyperlinkcolor" showMasterPhAnim="0" showMasterSp="0">
   <p:cSld>
     <p:spTree>
       <p:nvGrpSpPr>
@@ -919,7 +920,7 @@
 </file>
 
 <file path=ppt/notesSlides/notesSlide11.xml><?xml version="1.0" encoding="utf-8"?>
-<p:notes xmlns:a="http://schemas.openxmlformats.org/drawingml/2006/main" xmlns:r="http://schemas.openxmlformats.org/officeDocument/2006/relationships" xmlns:mc="http://schemas.openxmlformats.org/markup-compatibility/2006" xmlns:mv="urn:schemas-microsoft-com:mac:vml" xmlns:p="http://schemas.openxmlformats.org/presentationml/2006/main" xmlns:c="http://schemas.openxmlformats.org/drawingml/2006/chart" xmlns:dgm="http://schemas.openxmlformats.org/drawingml/2006/diagram" xmlns:o="urn:schemas-microsoft-com:office:office" xmlns:v="urn:schemas-microsoft-com:vml" xmlns:pvml="urn:schemas-microsoft-com:office:powerpoint" xmlns:com="http://schemas.openxmlformats.org/drawingml/2006/compatibility" xmlns:p14="http://schemas.microsoft.com/office/powerpoint/2010/main" xmlns:p15="http://schemas.microsoft.com/office/powerpoint/2012/main" showMasterPhAnim="0" showMasterSp="0">
+<p:notes xmlns:a="http://schemas.openxmlformats.org/drawingml/2006/main" xmlns:r="http://schemas.openxmlformats.org/officeDocument/2006/relationships" xmlns:mc="http://schemas.openxmlformats.org/markup-compatibility/2006" xmlns:mv="urn:schemas-microsoft-com:mac:vml" xmlns:p="http://schemas.openxmlformats.org/presentationml/2006/main" xmlns:c="http://schemas.openxmlformats.org/drawingml/2006/chart" xmlns:dgm="http://schemas.openxmlformats.org/drawingml/2006/diagram" xmlns:o="urn:schemas-microsoft-com:office:office" xmlns:v="urn:schemas-microsoft-com:vml" xmlns:pvml="urn:schemas-microsoft-com:office:powerpoint" xmlns:com="http://schemas.openxmlformats.org/drawingml/2006/compatibility" xmlns:p14="http://schemas.microsoft.com/office/powerpoint/2010/main" xmlns:p15="http://schemas.microsoft.com/office/powerpoint/2012/main" xmlns:ahyp="http://schemas.microsoft.com/office/drawing/2018/hyperlinkcolor" showMasterPhAnim="0" showMasterSp="0">
   <p:cSld>
     <p:spTree>
       <p:nvGrpSpPr>
@@ -1018,7 +1019,7 @@
 </file>
 
 <file path=ppt/notesSlides/notesSlide12.xml><?xml version="1.0" encoding="utf-8"?>
-<p:notes xmlns:a="http://schemas.openxmlformats.org/drawingml/2006/main" xmlns:r="http://schemas.openxmlformats.org/officeDocument/2006/relationships" xmlns:mc="http://schemas.openxmlformats.org/markup-compatibility/2006" xmlns:mv="urn:schemas-microsoft-com:mac:vml" xmlns:p="http://schemas.openxmlformats.org/presentationml/2006/main" xmlns:c="http://schemas.openxmlformats.org/drawingml/2006/chart" xmlns:dgm="http://schemas.openxmlformats.org/drawingml/2006/diagram" xmlns:o="urn:schemas-microsoft-com:office:office" xmlns:v="urn:schemas-microsoft-com:vml" xmlns:pvml="urn:schemas-microsoft-com:office:powerpoint" xmlns:com="http://schemas.openxmlformats.org/drawingml/2006/compatibility" xmlns:p14="http://schemas.microsoft.com/office/powerpoint/2010/main" xmlns:p15="http://schemas.microsoft.com/office/powerpoint/2012/main" showMasterPhAnim="0" showMasterSp="0">
+<p:notes xmlns:a="http://schemas.openxmlformats.org/drawingml/2006/main" xmlns:r="http://schemas.openxmlformats.org/officeDocument/2006/relationships" xmlns:mc="http://schemas.openxmlformats.org/markup-compatibility/2006" xmlns:mv="urn:schemas-microsoft-com:mac:vml" xmlns:p="http://schemas.openxmlformats.org/presentationml/2006/main" xmlns:c="http://schemas.openxmlformats.org/drawingml/2006/chart" xmlns:dgm="http://schemas.openxmlformats.org/drawingml/2006/diagram" xmlns:o="urn:schemas-microsoft-com:office:office" xmlns:v="urn:schemas-microsoft-com:vml" xmlns:pvml="urn:schemas-microsoft-com:office:powerpoint" xmlns:com="http://schemas.openxmlformats.org/drawingml/2006/compatibility" xmlns:p14="http://schemas.microsoft.com/office/powerpoint/2010/main" xmlns:p15="http://schemas.microsoft.com/office/powerpoint/2012/main" xmlns:ahyp="http://schemas.microsoft.com/office/drawing/2018/hyperlinkcolor" showMasterPhAnim="0" showMasterSp="0">
   <p:cSld>
     <p:spTree>
       <p:nvGrpSpPr>
@@ -1117,7 +1118,7 @@
 </file>
 
 <file path=ppt/notesSlides/notesSlide13.xml><?xml version="1.0" encoding="utf-8"?>
-<p:notes xmlns:a="http://schemas.openxmlformats.org/drawingml/2006/main" xmlns:r="http://schemas.openxmlformats.org/officeDocument/2006/relationships" xmlns:mc="http://schemas.openxmlformats.org/markup-compatibility/2006" xmlns:mv="urn:schemas-microsoft-com:mac:vml" xmlns:p="http://schemas.openxmlformats.org/presentationml/2006/main" xmlns:c="http://schemas.openxmlformats.org/drawingml/2006/chart" xmlns:dgm="http://schemas.openxmlformats.org/drawingml/2006/diagram" xmlns:o="urn:schemas-microsoft-com:office:office" xmlns:v="urn:schemas-microsoft-com:vml" xmlns:pvml="urn:schemas-microsoft-com:office:powerpoint" xmlns:com="http://schemas.openxmlformats.org/drawingml/2006/compatibility" xmlns:p14="http://schemas.microsoft.com/office/powerpoint/2010/main" xmlns:p15="http://schemas.microsoft.com/office/powerpoint/2012/main" showMasterPhAnim="0" showMasterSp="0">
+<p:notes xmlns:a="http://schemas.openxmlformats.org/drawingml/2006/main" xmlns:r="http://schemas.openxmlformats.org/officeDocument/2006/relationships" xmlns:mc="http://schemas.openxmlformats.org/markup-compatibility/2006" xmlns:mv="urn:schemas-microsoft-com:mac:vml" xmlns:p="http://schemas.openxmlformats.org/presentationml/2006/main" xmlns:c="http://schemas.openxmlformats.org/drawingml/2006/chart" xmlns:dgm="http://schemas.openxmlformats.org/drawingml/2006/diagram" xmlns:o="urn:schemas-microsoft-com:office:office" xmlns:v="urn:schemas-microsoft-com:vml" xmlns:pvml="urn:schemas-microsoft-com:office:powerpoint" xmlns:com="http://schemas.openxmlformats.org/drawingml/2006/compatibility" xmlns:p14="http://schemas.microsoft.com/office/powerpoint/2010/main" xmlns:p15="http://schemas.microsoft.com/office/powerpoint/2012/main" xmlns:ahyp="http://schemas.microsoft.com/office/drawing/2018/hyperlinkcolor" showMasterPhAnim="0" showMasterSp="0">
   <p:cSld>
     <p:spTree>
       <p:nvGrpSpPr>
@@ -1216,7 +1217,7 @@
 </file>
 
 <file path=ppt/notesSlides/notesSlide14.xml><?xml version="1.0" encoding="utf-8"?>
-<p:notes xmlns:a="http://schemas.openxmlformats.org/drawingml/2006/main" xmlns:r="http://schemas.openxmlformats.org/officeDocument/2006/relationships" xmlns:mc="http://schemas.openxmlformats.org/markup-compatibility/2006" xmlns:mv="urn:schemas-microsoft-com:mac:vml" xmlns:p="http://schemas.openxmlformats.org/presentationml/2006/main" xmlns:c="http://schemas.openxmlformats.org/drawingml/2006/chart" xmlns:dgm="http://schemas.openxmlformats.org/drawingml/2006/diagram" xmlns:o="urn:schemas-microsoft-com:office:office" xmlns:v="urn:schemas-microsoft-com:vml" xmlns:pvml="urn:schemas-microsoft-com:office:powerpoint" xmlns:com="http://schemas.openxmlformats.org/drawingml/2006/compatibility" xmlns:p14="http://schemas.microsoft.com/office/powerpoint/2010/main" xmlns:p15="http://schemas.microsoft.com/office/powerpoint/2012/main" showMasterPhAnim="0" showMasterSp="0">
+<p:notes xmlns:a="http://schemas.openxmlformats.org/drawingml/2006/main" xmlns:r="http://schemas.openxmlformats.org/officeDocument/2006/relationships" xmlns:mc="http://schemas.openxmlformats.org/markup-compatibility/2006" xmlns:mv="urn:schemas-microsoft-com:mac:vml" xmlns:p="http://schemas.openxmlformats.org/presentationml/2006/main" xmlns:c="http://schemas.openxmlformats.org/drawingml/2006/chart" xmlns:dgm="http://schemas.openxmlformats.org/drawingml/2006/diagram" xmlns:o="urn:schemas-microsoft-com:office:office" xmlns:v="urn:schemas-microsoft-com:vml" xmlns:pvml="urn:schemas-microsoft-com:office:powerpoint" xmlns:com="http://schemas.openxmlformats.org/drawingml/2006/compatibility" xmlns:p14="http://schemas.microsoft.com/office/powerpoint/2010/main" xmlns:p15="http://schemas.microsoft.com/office/powerpoint/2012/main" xmlns:ahyp="http://schemas.microsoft.com/office/drawing/2018/hyperlinkcolor" showMasterPhAnim="0" showMasterSp="0">
   <p:cSld>
     <p:spTree>
       <p:nvGrpSpPr>
@@ -1315,7 +1316,7 @@
 </file>
 
 <file path=ppt/notesSlides/notesSlide15.xml><?xml version="1.0" encoding="utf-8"?>
-<p:notes xmlns:a="http://schemas.openxmlformats.org/drawingml/2006/main" xmlns:r="http://schemas.openxmlformats.org/officeDocument/2006/relationships" xmlns:mc="http://schemas.openxmlformats.org/markup-compatibility/2006" xmlns:mv="urn:schemas-microsoft-com:mac:vml" xmlns:p="http://schemas.openxmlformats.org/presentationml/2006/main" xmlns:c="http://schemas.openxmlformats.org/drawingml/2006/chart" xmlns:dgm="http://schemas.openxmlformats.org/drawingml/2006/diagram" xmlns:o="urn:schemas-microsoft-com:office:office" xmlns:v="urn:schemas-microsoft-com:vml" xmlns:pvml="urn:schemas-microsoft-com:office:powerpoint" xmlns:com="http://schemas.openxmlformats.org/drawingml/2006/compatibility" xmlns:p14="http://schemas.microsoft.com/office/powerpoint/2010/main" xmlns:p15="http://schemas.microsoft.com/office/powerpoint/2012/main" showMasterPhAnim="0" showMasterSp="0">
+<p:notes xmlns:a="http://schemas.openxmlformats.org/drawingml/2006/main" xmlns:r="http://schemas.openxmlformats.org/officeDocument/2006/relationships" xmlns:mc="http://schemas.openxmlformats.org/markup-compatibility/2006" xmlns:mv="urn:schemas-microsoft-com:mac:vml" xmlns:p="http://schemas.openxmlformats.org/presentationml/2006/main" xmlns:c="http://schemas.openxmlformats.org/drawingml/2006/chart" xmlns:dgm="http://schemas.openxmlformats.org/drawingml/2006/diagram" xmlns:o="urn:schemas-microsoft-com:office:office" xmlns:v="urn:schemas-microsoft-com:vml" xmlns:pvml="urn:schemas-microsoft-com:office:powerpoint" xmlns:com="http://schemas.openxmlformats.org/drawingml/2006/compatibility" xmlns:p14="http://schemas.microsoft.com/office/powerpoint/2010/main" xmlns:p15="http://schemas.microsoft.com/office/powerpoint/2012/main" xmlns:ahyp="http://schemas.microsoft.com/office/drawing/2018/hyperlinkcolor" showMasterPhAnim="0" showMasterSp="0">
   <p:cSld>
     <p:spTree>
       <p:nvGrpSpPr>
@@ -1333,7 +1334,7 @@
       </p:grpSpPr>
       <p:sp>
         <p:nvSpPr>
-          <p:cNvPr id="212" name="Google Shape;212;g89f923a46d_0_15:notes"/>
+          <p:cNvPr id="212" name="Google Shape;212;g8f647da00a_0_0:notes"/>
           <p:cNvSpPr/>
           <p:nvPr>
             <p:ph idx="2" type="sldImg"/>
@@ -1368,7 +1369,7 @@
       </p:sp>
       <p:sp>
         <p:nvSpPr>
-          <p:cNvPr id="213" name="Google Shape;213;g89f923a46d_0_15:notes"/>
+          <p:cNvPr id="213" name="Google Shape;213;g8f647da00a_0_0:notes"/>
           <p:cNvSpPr txBox="1"/>
           <p:nvPr>
             <p:ph idx="1" type="body"/>
@@ -1414,11 +1415,11 @@
 </file>
 
 <file path=ppt/notesSlides/notesSlide16.xml><?xml version="1.0" encoding="utf-8"?>
-<p:notes xmlns:a="http://schemas.openxmlformats.org/drawingml/2006/main" xmlns:r="http://schemas.openxmlformats.org/officeDocument/2006/relationships" xmlns:mc="http://schemas.openxmlformats.org/markup-compatibility/2006" xmlns:mv="urn:schemas-microsoft-com:mac:vml" xmlns:p="http://schemas.openxmlformats.org/presentationml/2006/main" xmlns:c="http://schemas.openxmlformats.org/drawingml/2006/chart" xmlns:dgm="http://schemas.openxmlformats.org/drawingml/2006/diagram" xmlns:o="urn:schemas-microsoft-com:office:office" xmlns:v="urn:schemas-microsoft-com:vml" xmlns:pvml="urn:schemas-microsoft-com:office:powerpoint" xmlns:com="http://schemas.openxmlformats.org/drawingml/2006/compatibility" xmlns:p14="http://schemas.microsoft.com/office/powerpoint/2010/main" xmlns:p15="http://schemas.microsoft.com/office/powerpoint/2012/main" showMasterPhAnim="0" showMasterSp="0">
+<p:notes xmlns:a="http://schemas.openxmlformats.org/drawingml/2006/main" xmlns:r="http://schemas.openxmlformats.org/officeDocument/2006/relationships" xmlns:mc="http://schemas.openxmlformats.org/markup-compatibility/2006" xmlns:mv="urn:schemas-microsoft-com:mac:vml" xmlns:p="http://schemas.openxmlformats.org/presentationml/2006/main" xmlns:c="http://schemas.openxmlformats.org/drawingml/2006/chart" xmlns:dgm="http://schemas.openxmlformats.org/drawingml/2006/diagram" xmlns:o="urn:schemas-microsoft-com:office:office" xmlns:v="urn:schemas-microsoft-com:vml" xmlns:pvml="urn:schemas-microsoft-com:office:powerpoint" xmlns:com="http://schemas.openxmlformats.org/drawingml/2006/compatibility" xmlns:p14="http://schemas.microsoft.com/office/powerpoint/2010/main" xmlns:p15="http://schemas.microsoft.com/office/powerpoint/2012/main" xmlns:ahyp="http://schemas.microsoft.com/office/drawing/2018/hyperlinkcolor" showMasterPhAnim="0" showMasterSp="0">
   <p:cSld>
     <p:spTree>
       <p:nvGrpSpPr>
-        <p:cNvPr id="217" name="Shape 217"/>
+        <p:cNvPr id="219" name="Shape 219"/>
         <p:cNvGrpSpPr/>
         <p:nvPr/>
       </p:nvGrpSpPr>
@@ -1432,7 +1433,7 @@
       </p:grpSpPr>
       <p:sp>
         <p:nvSpPr>
-          <p:cNvPr id="218" name="Google Shape;218;g89f923a46d_0_21:notes"/>
+          <p:cNvPr id="220" name="Google Shape;220;g89f923a46d_0_15:notes"/>
           <p:cNvSpPr/>
           <p:nvPr>
             <p:ph idx="2" type="sldImg"/>
@@ -1467,7 +1468,7 @@
       </p:sp>
       <p:sp>
         <p:nvSpPr>
-          <p:cNvPr id="219" name="Google Shape;219;g89f923a46d_0_21:notes"/>
+          <p:cNvPr id="221" name="Google Shape;221;g89f923a46d_0_15:notes"/>
           <p:cNvSpPr txBox="1"/>
           <p:nvPr>
             <p:ph idx="1" type="body"/>
@@ -1513,11 +1514,11 @@
 </file>
 
 <file path=ppt/notesSlides/notesSlide17.xml><?xml version="1.0" encoding="utf-8"?>
-<p:notes xmlns:a="http://schemas.openxmlformats.org/drawingml/2006/main" xmlns:r="http://schemas.openxmlformats.org/officeDocument/2006/relationships" xmlns:mc="http://schemas.openxmlformats.org/markup-compatibility/2006" xmlns:mv="urn:schemas-microsoft-com:mac:vml" xmlns:p="http://schemas.openxmlformats.org/presentationml/2006/main" xmlns:c="http://schemas.openxmlformats.org/drawingml/2006/chart" xmlns:dgm="http://schemas.openxmlformats.org/drawingml/2006/diagram" xmlns:o="urn:schemas-microsoft-com:office:office" xmlns:v="urn:schemas-microsoft-com:vml" xmlns:pvml="urn:schemas-microsoft-com:office:powerpoint" xmlns:com="http://schemas.openxmlformats.org/drawingml/2006/compatibility" xmlns:p14="http://schemas.microsoft.com/office/powerpoint/2010/main" xmlns:p15="http://schemas.microsoft.com/office/powerpoint/2012/main" showMasterPhAnim="0" showMasterSp="0">
+<p:notes xmlns:a="http://schemas.openxmlformats.org/drawingml/2006/main" xmlns:r="http://schemas.openxmlformats.org/officeDocument/2006/relationships" xmlns:mc="http://schemas.openxmlformats.org/markup-compatibility/2006" xmlns:mv="urn:schemas-microsoft-com:mac:vml" xmlns:p="http://schemas.openxmlformats.org/presentationml/2006/main" xmlns:c="http://schemas.openxmlformats.org/drawingml/2006/chart" xmlns:dgm="http://schemas.openxmlformats.org/drawingml/2006/diagram" xmlns:o="urn:schemas-microsoft-com:office:office" xmlns:v="urn:schemas-microsoft-com:vml" xmlns:pvml="urn:schemas-microsoft-com:office:powerpoint" xmlns:com="http://schemas.openxmlformats.org/drawingml/2006/compatibility" xmlns:p14="http://schemas.microsoft.com/office/powerpoint/2010/main" xmlns:p15="http://schemas.microsoft.com/office/powerpoint/2012/main" xmlns:ahyp="http://schemas.microsoft.com/office/drawing/2018/hyperlinkcolor" showMasterPhAnim="0" showMasterSp="0">
   <p:cSld>
     <p:spTree>
       <p:nvGrpSpPr>
-        <p:cNvPr id="223" name="Shape 223"/>
+        <p:cNvPr id="225" name="Shape 225"/>
         <p:cNvGrpSpPr/>
         <p:nvPr/>
       </p:nvGrpSpPr>
@@ -1531,7 +1532,7 @@
       </p:grpSpPr>
       <p:sp>
         <p:nvSpPr>
-          <p:cNvPr id="224" name="Google Shape;224;g8ab352e040_3_4:notes"/>
+          <p:cNvPr id="226" name="Google Shape;226;g89f923a46d_0_21:notes"/>
           <p:cNvSpPr/>
           <p:nvPr>
             <p:ph idx="2" type="sldImg"/>
@@ -1566,7 +1567,7 @@
       </p:sp>
       <p:sp>
         <p:nvSpPr>
-          <p:cNvPr id="225" name="Google Shape;225;g8ab352e040_3_4:notes"/>
+          <p:cNvPr id="227" name="Google Shape;227;g89f923a46d_0_21:notes"/>
           <p:cNvSpPr txBox="1"/>
           <p:nvPr>
             <p:ph idx="1" type="body"/>
@@ -1612,11 +1613,11 @@
 </file>
 
 <file path=ppt/notesSlides/notesSlide18.xml><?xml version="1.0" encoding="utf-8"?>
-<p:notes xmlns:a="http://schemas.openxmlformats.org/drawingml/2006/main" xmlns:r="http://schemas.openxmlformats.org/officeDocument/2006/relationships" xmlns:mc="http://schemas.openxmlformats.org/markup-compatibility/2006" xmlns:mv="urn:schemas-microsoft-com:mac:vml" xmlns:p="http://schemas.openxmlformats.org/presentationml/2006/main" xmlns:c="http://schemas.openxmlformats.org/drawingml/2006/chart" xmlns:dgm="http://schemas.openxmlformats.org/drawingml/2006/diagram" xmlns:o="urn:schemas-microsoft-com:office:office" xmlns:v="urn:schemas-microsoft-com:vml" xmlns:pvml="urn:schemas-microsoft-com:office:powerpoint" xmlns:com="http://schemas.openxmlformats.org/drawingml/2006/compatibility" xmlns:p14="http://schemas.microsoft.com/office/powerpoint/2010/main" xmlns:p15="http://schemas.microsoft.com/office/powerpoint/2012/main" showMasterPhAnim="0" showMasterSp="0">
+<p:notes xmlns:a="http://schemas.openxmlformats.org/drawingml/2006/main" xmlns:r="http://schemas.openxmlformats.org/officeDocument/2006/relationships" xmlns:mc="http://schemas.openxmlformats.org/markup-compatibility/2006" xmlns:mv="urn:schemas-microsoft-com:mac:vml" xmlns:p="http://schemas.openxmlformats.org/presentationml/2006/main" xmlns:c="http://schemas.openxmlformats.org/drawingml/2006/chart" xmlns:dgm="http://schemas.openxmlformats.org/drawingml/2006/diagram" xmlns:o="urn:schemas-microsoft-com:office:office" xmlns:v="urn:schemas-microsoft-com:vml" xmlns:pvml="urn:schemas-microsoft-com:office:powerpoint" xmlns:com="http://schemas.openxmlformats.org/drawingml/2006/compatibility" xmlns:p14="http://schemas.microsoft.com/office/powerpoint/2010/main" xmlns:p15="http://schemas.microsoft.com/office/powerpoint/2012/main" xmlns:ahyp="http://schemas.microsoft.com/office/drawing/2018/hyperlinkcolor" showMasterPhAnim="0" showMasterSp="0">
   <p:cSld>
     <p:spTree>
       <p:nvGrpSpPr>
-        <p:cNvPr id="229" name="Shape 229"/>
+        <p:cNvPr id="231" name="Shape 231"/>
         <p:cNvGrpSpPr/>
         <p:nvPr/>
       </p:nvGrpSpPr>
@@ -1630,7 +1631,7 @@
       </p:grpSpPr>
       <p:sp>
         <p:nvSpPr>
-          <p:cNvPr id="230" name="Google Shape;230;g8ab352e040_17_0:notes"/>
+          <p:cNvPr id="232" name="Google Shape;232;g8ab352e040_3_4:notes"/>
           <p:cNvSpPr/>
           <p:nvPr>
             <p:ph idx="2" type="sldImg"/>
@@ -1665,7 +1666,7 @@
       </p:sp>
       <p:sp>
         <p:nvSpPr>
-          <p:cNvPr id="231" name="Google Shape;231;g8ab352e040_17_0:notes"/>
+          <p:cNvPr id="233" name="Google Shape;233;g8ab352e040_3_4:notes"/>
           <p:cNvSpPr txBox="1"/>
           <p:nvPr>
             <p:ph idx="1" type="body"/>
@@ -1711,11 +1712,11 @@
 </file>
 
 <file path=ppt/notesSlides/notesSlide19.xml><?xml version="1.0" encoding="utf-8"?>
-<p:notes xmlns:a="http://schemas.openxmlformats.org/drawingml/2006/main" xmlns:r="http://schemas.openxmlformats.org/officeDocument/2006/relationships" xmlns:mc="http://schemas.openxmlformats.org/markup-compatibility/2006" xmlns:mv="urn:schemas-microsoft-com:mac:vml" xmlns:p="http://schemas.openxmlformats.org/presentationml/2006/main" xmlns:c="http://schemas.openxmlformats.org/drawingml/2006/chart" xmlns:dgm="http://schemas.openxmlformats.org/drawingml/2006/diagram" xmlns:o="urn:schemas-microsoft-com:office:office" xmlns:v="urn:schemas-microsoft-com:vml" xmlns:pvml="urn:schemas-microsoft-com:office:powerpoint" xmlns:com="http://schemas.openxmlformats.org/drawingml/2006/compatibility" xmlns:p14="http://schemas.microsoft.com/office/powerpoint/2010/main" xmlns:p15="http://schemas.microsoft.com/office/powerpoint/2012/main" showMasterPhAnim="0" showMasterSp="0">
+<p:notes xmlns:a="http://schemas.openxmlformats.org/drawingml/2006/main" xmlns:r="http://schemas.openxmlformats.org/officeDocument/2006/relationships" xmlns:mc="http://schemas.openxmlformats.org/markup-compatibility/2006" xmlns:mv="urn:schemas-microsoft-com:mac:vml" xmlns:p="http://schemas.openxmlformats.org/presentationml/2006/main" xmlns:c="http://schemas.openxmlformats.org/drawingml/2006/chart" xmlns:dgm="http://schemas.openxmlformats.org/drawingml/2006/diagram" xmlns:o="urn:schemas-microsoft-com:office:office" xmlns:v="urn:schemas-microsoft-com:vml" xmlns:pvml="urn:schemas-microsoft-com:office:powerpoint" xmlns:com="http://schemas.openxmlformats.org/drawingml/2006/compatibility" xmlns:p14="http://schemas.microsoft.com/office/powerpoint/2010/main" xmlns:p15="http://schemas.microsoft.com/office/powerpoint/2012/main" xmlns:ahyp="http://schemas.microsoft.com/office/drawing/2018/hyperlinkcolor" showMasterPhAnim="0" showMasterSp="0">
   <p:cSld>
     <p:spTree>
       <p:nvGrpSpPr>
-        <p:cNvPr id="235" name="Shape 235"/>
+        <p:cNvPr id="237" name="Shape 237"/>
         <p:cNvGrpSpPr/>
         <p:nvPr/>
       </p:nvGrpSpPr>
@@ -1729,7 +1730,7 @@
       </p:grpSpPr>
       <p:sp>
         <p:nvSpPr>
-          <p:cNvPr id="236" name="Google Shape;236;g8aacc4528d_0_13:notes"/>
+          <p:cNvPr id="238" name="Google Shape;238;g8ab352e040_17_0:notes"/>
           <p:cNvSpPr/>
           <p:nvPr>
             <p:ph idx="2" type="sldImg"/>
@@ -1764,7 +1765,7 @@
       </p:sp>
       <p:sp>
         <p:nvSpPr>
-          <p:cNvPr id="237" name="Google Shape;237;g8aacc4528d_0_13:notes"/>
+          <p:cNvPr id="239" name="Google Shape;239;g8ab352e040_17_0:notes"/>
           <p:cNvSpPr txBox="1"/>
           <p:nvPr>
             <p:ph idx="1" type="body"/>
@@ -1810,7 +1811,7 @@
 </file>
 
 <file path=ppt/notesSlides/notesSlide2.xml><?xml version="1.0" encoding="utf-8"?>
-<p:notes xmlns:a="http://schemas.openxmlformats.org/drawingml/2006/main" xmlns:r="http://schemas.openxmlformats.org/officeDocument/2006/relationships" xmlns:mc="http://schemas.openxmlformats.org/markup-compatibility/2006" xmlns:mv="urn:schemas-microsoft-com:mac:vml" xmlns:p="http://schemas.openxmlformats.org/presentationml/2006/main" xmlns:c="http://schemas.openxmlformats.org/drawingml/2006/chart" xmlns:dgm="http://schemas.openxmlformats.org/drawingml/2006/diagram" xmlns:o="urn:schemas-microsoft-com:office:office" xmlns:v="urn:schemas-microsoft-com:vml" xmlns:pvml="urn:schemas-microsoft-com:office:powerpoint" xmlns:com="http://schemas.openxmlformats.org/drawingml/2006/compatibility" xmlns:p14="http://schemas.microsoft.com/office/powerpoint/2010/main" xmlns:p15="http://schemas.microsoft.com/office/powerpoint/2012/main" showMasterPhAnim="0" showMasterSp="0">
+<p:notes xmlns:a="http://schemas.openxmlformats.org/drawingml/2006/main" xmlns:r="http://schemas.openxmlformats.org/officeDocument/2006/relationships" xmlns:mc="http://schemas.openxmlformats.org/markup-compatibility/2006" xmlns:mv="urn:schemas-microsoft-com:mac:vml" xmlns:p="http://schemas.openxmlformats.org/presentationml/2006/main" xmlns:c="http://schemas.openxmlformats.org/drawingml/2006/chart" xmlns:dgm="http://schemas.openxmlformats.org/drawingml/2006/diagram" xmlns:o="urn:schemas-microsoft-com:office:office" xmlns:v="urn:schemas-microsoft-com:vml" xmlns:pvml="urn:schemas-microsoft-com:office:powerpoint" xmlns:com="http://schemas.openxmlformats.org/drawingml/2006/compatibility" xmlns:p14="http://schemas.microsoft.com/office/powerpoint/2010/main" xmlns:p15="http://schemas.microsoft.com/office/powerpoint/2012/main" xmlns:ahyp="http://schemas.microsoft.com/office/drawing/2018/hyperlinkcolor" showMasterPhAnim="0" showMasterSp="0">
   <p:cSld>
     <p:spTree>
       <p:nvGrpSpPr>
@@ -1908,8 +1909,107 @@
 </p:notes>
 </file>
 
+<file path=ppt/notesSlides/notesSlide20.xml><?xml version="1.0" encoding="utf-8"?>
+<p:notes xmlns:a="http://schemas.openxmlformats.org/drawingml/2006/main" xmlns:r="http://schemas.openxmlformats.org/officeDocument/2006/relationships" xmlns:mc="http://schemas.openxmlformats.org/markup-compatibility/2006" xmlns:mv="urn:schemas-microsoft-com:mac:vml" xmlns:p="http://schemas.openxmlformats.org/presentationml/2006/main" xmlns:c="http://schemas.openxmlformats.org/drawingml/2006/chart" xmlns:dgm="http://schemas.openxmlformats.org/drawingml/2006/diagram" xmlns:o="urn:schemas-microsoft-com:office:office" xmlns:v="urn:schemas-microsoft-com:vml" xmlns:pvml="urn:schemas-microsoft-com:office:powerpoint" xmlns:com="http://schemas.openxmlformats.org/drawingml/2006/compatibility" xmlns:p14="http://schemas.microsoft.com/office/powerpoint/2010/main" xmlns:p15="http://schemas.microsoft.com/office/powerpoint/2012/main" xmlns:ahyp="http://schemas.microsoft.com/office/drawing/2018/hyperlinkcolor" showMasterPhAnim="0" showMasterSp="0">
+  <p:cSld>
+    <p:spTree>
+      <p:nvGrpSpPr>
+        <p:cNvPr id="243" name="Shape 243"/>
+        <p:cNvGrpSpPr/>
+        <p:nvPr/>
+      </p:nvGrpSpPr>
+      <p:grpSpPr>
+        <a:xfrm>
+          <a:off x="0" y="0"/>
+          <a:ext cx="0" cy="0"/>
+          <a:chOff x="0" y="0"/>
+          <a:chExt cx="0" cy="0"/>
+        </a:xfrm>
+      </p:grpSpPr>
+      <p:sp>
+        <p:nvSpPr>
+          <p:cNvPr id="244" name="Google Shape;244;g8aacc4528d_0_13:notes"/>
+          <p:cNvSpPr/>
+          <p:nvPr>
+            <p:ph idx="2" type="sldImg"/>
+          </p:nvPr>
+        </p:nvSpPr>
+        <p:spPr>
+          <a:xfrm>
+            <a:off x="381300" y="685800"/>
+            <a:ext cx="6096000" cy="3429000"/>
+          </a:xfrm>
+          <a:custGeom>
+            <a:rect b="b" l="l" r="r" t="t"/>
+            <a:pathLst>
+              <a:path extrusionOk="0" h="120000" w="120000">
+                <a:moveTo>
+                  <a:pt x="0" y="0"/>
+                </a:moveTo>
+                <a:lnTo>
+                  <a:pt x="120000" y="0"/>
+                </a:lnTo>
+                <a:lnTo>
+                  <a:pt x="120000" y="120000"/>
+                </a:lnTo>
+                <a:lnTo>
+                  <a:pt x="0" y="120000"/>
+                </a:lnTo>
+                <a:close/>
+              </a:path>
+            </a:pathLst>
+          </a:custGeom>
+        </p:spPr>
+      </p:sp>
+      <p:sp>
+        <p:nvSpPr>
+          <p:cNvPr id="245" name="Google Shape;245;g8aacc4528d_0_13:notes"/>
+          <p:cNvSpPr txBox="1"/>
+          <p:nvPr>
+            <p:ph idx="1" type="body"/>
+          </p:nvPr>
+        </p:nvSpPr>
+        <p:spPr>
+          <a:xfrm>
+            <a:off x="685800" y="4343400"/>
+            <a:ext cx="5486400" cy="4114800"/>
+          </a:xfrm>
+          <a:prstGeom prst="rect">
+            <a:avLst/>
+          </a:prstGeom>
+        </p:spPr>
+        <p:txBody>
+          <a:bodyPr anchorCtr="0" anchor="t" bIns="91425" lIns="91425" spcFirstLastPara="1" rIns="91425" wrap="square" tIns="91425">
+            <a:noAutofit/>
+          </a:bodyPr>
+          <a:lstStyle/>
+          <a:p>
+            <a:pPr indent="0" lvl="0" marL="0" rtl="0" algn="l">
+              <a:spcBef>
+                <a:spcPts val="0"/>
+              </a:spcBef>
+              <a:spcAft>
+                <a:spcPts val="0"/>
+              </a:spcAft>
+              <a:buNone/>
+            </a:pPr>
+            <a:r>
+              <a:t/>
+            </a:r>
+            <a:endParaRPr/>
+          </a:p>
+        </p:txBody>
+      </p:sp>
+    </p:spTree>
+  </p:cSld>
+  <p:clrMapOvr>
+    <a:masterClrMapping/>
+  </p:clrMapOvr>
+</p:notes>
+</file>
+
 <file path=ppt/notesSlides/notesSlide3.xml><?xml version="1.0" encoding="utf-8"?>
-<p:notes xmlns:a="http://schemas.openxmlformats.org/drawingml/2006/main" xmlns:r="http://schemas.openxmlformats.org/officeDocument/2006/relationships" xmlns:mc="http://schemas.openxmlformats.org/markup-compatibility/2006" xmlns:mv="urn:schemas-microsoft-com:mac:vml" xmlns:p="http://schemas.openxmlformats.org/presentationml/2006/main" xmlns:c="http://schemas.openxmlformats.org/drawingml/2006/chart" xmlns:dgm="http://schemas.openxmlformats.org/drawingml/2006/diagram" xmlns:o="urn:schemas-microsoft-com:office:office" xmlns:v="urn:schemas-microsoft-com:vml" xmlns:pvml="urn:schemas-microsoft-com:office:powerpoint" xmlns:com="http://schemas.openxmlformats.org/drawingml/2006/compatibility" xmlns:p14="http://schemas.microsoft.com/office/powerpoint/2010/main" xmlns:p15="http://schemas.microsoft.com/office/powerpoint/2012/main" showMasterPhAnim="0" showMasterSp="0">
+<p:notes xmlns:a="http://schemas.openxmlformats.org/drawingml/2006/main" xmlns:r="http://schemas.openxmlformats.org/officeDocument/2006/relationships" xmlns:mc="http://schemas.openxmlformats.org/markup-compatibility/2006" xmlns:mv="urn:schemas-microsoft-com:mac:vml" xmlns:p="http://schemas.openxmlformats.org/presentationml/2006/main" xmlns:c="http://schemas.openxmlformats.org/drawingml/2006/chart" xmlns:dgm="http://schemas.openxmlformats.org/drawingml/2006/diagram" xmlns:o="urn:schemas-microsoft-com:office:office" xmlns:v="urn:schemas-microsoft-com:vml" xmlns:pvml="urn:schemas-microsoft-com:office:powerpoint" xmlns:com="http://schemas.openxmlformats.org/drawingml/2006/compatibility" xmlns:p14="http://schemas.microsoft.com/office/powerpoint/2010/main" xmlns:p15="http://schemas.microsoft.com/office/powerpoint/2012/main" xmlns:ahyp="http://schemas.microsoft.com/office/drawing/2018/hyperlinkcolor" showMasterPhAnim="0" showMasterSp="0">
   <p:cSld>
     <p:spTree>
       <p:nvGrpSpPr>
@@ -2008,7 +2108,7 @@
 </file>
 
 <file path=ppt/notesSlides/notesSlide4.xml><?xml version="1.0" encoding="utf-8"?>
-<p:notes xmlns:a="http://schemas.openxmlformats.org/drawingml/2006/main" xmlns:r="http://schemas.openxmlformats.org/officeDocument/2006/relationships" xmlns:mc="http://schemas.openxmlformats.org/markup-compatibility/2006" xmlns:mv="urn:schemas-microsoft-com:mac:vml" xmlns:p="http://schemas.openxmlformats.org/presentationml/2006/main" xmlns:c="http://schemas.openxmlformats.org/drawingml/2006/chart" xmlns:dgm="http://schemas.openxmlformats.org/drawingml/2006/diagram" xmlns:o="urn:schemas-microsoft-com:office:office" xmlns:v="urn:schemas-microsoft-com:vml" xmlns:pvml="urn:schemas-microsoft-com:office:powerpoint" xmlns:com="http://schemas.openxmlformats.org/drawingml/2006/compatibility" xmlns:p14="http://schemas.microsoft.com/office/powerpoint/2010/main" xmlns:p15="http://schemas.microsoft.com/office/powerpoint/2012/main" showMasterPhAnim="0" showMasterSp="0">
+<p:notes xmlns:a="http://schemas.openxmlformats.org/drawingml/2006/main" xmlns:r="http://schemas.openxmlformats.org/officeDocument/2006/relationships" xmlns:mc="http://schemas.openxmlformats.org/markup-compatibility/2006" xmlns:mv="urn:schemas-microsoft-com:mac:vml" xmlns:p="http://schemas.openxmlformats.org/presentationml/2006/main" xmlns:c="http://schemas.openxmlformats.org/drawingml/2006/chart" xmlns:dgm="http://schemas.openxmlformats.org/drawingml/2006/diagram" xmlns:o="urn:schemas-microsoft-com:office:office" xmlns:v="urn:schemas-microsoft-com:vml" xmlns:pvml="urn:schemas-microsoft-com:office:powerpoint" xmlns:com="http://schemas.openxmlformats.org/drawingml/2006/compatibility" xmlns:p14="http://schemas.microsoft.com/office/powerpoint/2010/main" xmlns:p15="http://schemas.microsoft.com/office/powerpoint/2012/main" xmlns:ahyp="http://schemas.microsoft.com/office/drawing/2018/hyperlinkcolor" showMasterPhAnim="0" showMasterSp="0">
   <p:cSld>
     <p:spTree>
       <p:nvGrpSpPr>
@@ -2107,7 +2207,7 @@
 </file>
 
 <file path=ppt/notesSlides/notesSlide5.xml><?xml version="1.0" encoding="utf-8"?>
-<p:notes xmlns:a="http://schemas.openxmlformats.org/drawingml/2006/main" xmlns:r="http://schemas.openxmlformats.org/officeDocument/2006/relationships" xmlns:mc="http://schemas.openxmlformats.org/markup-compatibility/2006" xmlns:mv="urn:schemas-microsoft-com:mac:vml" xmlns:p="http://schemas.openxmlformats.org/presentationml/2006/main" xmlns:c="http://schemas.openxmlformats.org/drawingml/2006/chart" xmlns:dgm="http://schemas.openxmlformats.org/drawingml/2006/diagram" xmlns:o="urn:schemas-microsoft-com:office:office" xmlns:v="urn:schemas-microsoft-com:vml" xmlns:pvml="urn:schemas-microsoft-com:office:powerpoint" xmlns:com="http://schemas.openxmlformats.org/drawingml/2006/compatibility" xmlns:p14="http://schemas.microsoft.com/office/powerpoint/2010/main" xmlns:p15="http://schemas.microsoft.com/office/powerpoint/2012/main" showMasterPhAnim="0" showMasterSp="0">
+<p:notes xmlns:a="http://schemas.openxmlformats.org/drawingml/2006/main" xmlns:r="http://schemas.openxmlformats.org/officeDocument/2006/relationships" xmlns:mc="http://schemas.openxmlformats.org/markup-compatibility/2006" xmlns:mv="urn:schemas-microsoft-com:mac:vml" xmlns:p="http://schemas.openxmlformats.org/presentationml/2006/main" xmlns:c="http://schemas.openxmlformats.org/drawingml/2006/chart" xmlns:dgm="http://schemas.openxmlformats.org/drawingml/2006/diagram" xmlns:o="urn:schemas-microsoft-com:office:office" xmlns:v="urn:schemas-microsoft-com:vml" xmlns:pvml="urn:schemas-microsoft-com:office:powerpoint" xmlns:com="http://schemas.openxmlformats.org/drawingml/2006/compatibility" xmlns:p14="http://schemas.microsoft.com/office/powerpoint/2010/main" xmlns:p15="http://schemas.microsoft.com/office/powerpoint/2012/main" xmlns:ahyp="http://schemas.microsoft.com/office/drawing/2018/hyperlinkcolor" showMasterPhAnim="0" showMasterSp="0">
   <p:cSld>
     <p:spTree>
       <p:nvGrpSpPr>
@@ -2206,7 +2306,7 @@
 </file>
 
 <file path=ppt/notesSlides/notesSlide6.xml><?xml version="1.0" encoding="utf-8"?>
-<p:notes xmlns:a="http://schemas.openxmlformats.org/drawingml/2006/main" xmlns:r="http://schemas.openxmlformats.org/officeDocument/2006/relationships" xmlns:mc="http://schemas.openxmlformats.org/markup-compatibility/2006" xmlns:mv="urn:schemas-microsoft-com:mac:vml" xmlns:p="http://schemas.openxmlformats.org/presentationml/2006/main" xmlns:c="http://schemas.openxmlformats.org/drawingml/2006/chart" xmlns:dgm="http://schemas.openxmlformats.org/drawingml/2006/diagram" xmlns:o="urn:schemas-microsoft-com:office:office" xmlns:v="urn:schemas-microsoft-com:vml" xmlns:pvml="urn:schemas-microsoft-com:office:powerpoint" xmlns:com="http://schemas.openxmlformats.org/drawingml/2006/compatibility" xmlns:p14="http://schemas.microsoft.com/office/powerpoint/2010/main" xmlns:p15="http://schemas.microsoft.com/office/powerpoint/2012/main" showMasterPhAnim="0" showMasterSp="0">
+<p:notes xmlns:a="http://schemas.openxmlformats.org/drawingml/2006/main" xmlns:r="http://schemas.openxmlformats.org/officeDocument/2006/relationships" xmlns:mc="http://schemas.openxmlformats.org/markup-compatibility/2006" xmlns:mv="urn:schemas-microsoft-com:mac:vml" xmlns:p="http://schemas.openxmlformats.org/presentationml/2006/main" xmlns:c="http://schemas.openxmlformats.org/drawingml/2006/chart" xmlns:dgm="http://schemas.openxmlformats.org/drawingml/2006/diagram" xmlns:o="urn:schemas-microsoft-com:office:office" xmlns:v="urn:schemas-microsoft-com:vml" xmlns:pvml="urn:schemas-microsoft-com:office:powerpoint" xmlns:com="http://schemas.openxmlformats.org/drawingml/2006/compatibility" xmlns:p14="http://schemas.microsoft.com/office/powerpoint/2010/main" xmlns:p15="http://schemas.microsoft.com/office/powerpoint/2012/main" xmlns:ahyp="http://schemas.microsoft.com/office/drawing/2018/hyperlinkcolor" showMasterPhAnim="0" showMasterSp="0">
   <p:cSld>
     <p:spTree>
       <p:nvGrpSpPr>
@@ -2305,7 +2405,7 @@
 </file>
 
 <file path=ppt/notesSlides/notesSlide7.xml><?xml version="1.0" encoding="utf-8"?>
-<p:notes xmlns:a="http://schemas.openxmlformats.org/drawingml/2006/main" xmlns:r="http://schemas.openxmlformats.org/officeDocument/2006/relationships" xmlns:mc="http://schemas.openxmlformats.org/markup-compatibility/2006" xmlns:mv="urn:schemas-microsoft-com:mac:vml" xmlns:p="http://schemas.openxmlformats.org/presentationml/2006/main" xmlns:c="http://schemas.openxmlformats.org/drawingml/2006/chart" xmlns:dgm="http://schemas.openxmlformats.org/drawingml/2006/diagram" xmlns:o="urn:schemas-microsoft-com:office:office" xmlns:v="urn:schemas-microsoft-com:vml" xmlns:pvml="urn:schemas-microsoft-com:office:powerpoint" xmlns:com="http://schemas.openxmlformats.org/drawingml/2006/compatibility" xmlns:p14="http://schemas.microsoft.com/office/powerpoint/2010/main" xmlns:p15="http://schemas.microsoft.com/office/powerpoint/2012/main" showMasterPhAnim="0" showMasterSp="0">
+<p:notes xmlns:a="http://schemas.openxmlformats.org/drawingml/2006/main" xmlns:r="http://schemas.openxmlformats.org/officeDocument/2006/relationships" xmlns:mc="http://schemas.openxmlformats.org/markup-compatibility/2006" xmlns:mv="urn:schemas-microsoft-com:mac:vml" xmlns:p="http://schemas.openxmlformats.org/presentationml/2006/main" xmlns:c="http://schemas.openxmlformats.org/drawingml/2006/chart" xmlns:dgm="http://schemas.openxmlformats.org/drawingml/2006/diagram" xmlns:o="urn:schemas-microsoft-com:office:office" xmlns:v="urn:schemas-microsoft-com:vml" xmlns:pvml="urn:schemas-microsoft-com:office:powerpoint" xmlns:com="http://schemas.openxmlformats.org/drawingml/2006/compatibility" xmlns:p14="http://schemas.microsoft.com/office/powerpoint/2010/main" xmlns:p15="http://schemas.microsoft.com/office/powerpoint/2012/main" xmlns:ahyp="http://schemas.microsoft.com/office/drawing/2018/hyperlinkcolor" showMasterPhAnim="0" showMasterSp="0">
   <p:cSld>
     <p:spTree>
       <p:nvGrpSpPr>
@@ -2404,7 +2504,7 @@
 </file>
 
 <file path=ppt/notesSlides/notesSlide8.xml><?xml version="1.0" encoding="utf-8"?>
-<p:notes xmlns:a="http://schemas.openxmlformats.org/drawingml/2006/main" xmlns:r="http://schemas.openxmlformats.org/officeDocument/2006/relationships" xmlns:mc="http://schemas.openxmlformats.org/markup-compatibility/2006" xmlns:mv="urn:schemas-microsoft-com:mac:vml" xmlns:p="http://schemas.openxmlformats.org/presentationml/2006/main" xmlns:c="http://schemas.openxmlformats.org/drawingml/2006/chart" xmlns:dgm="http://schemas.openxmlformats.org/drawingml/2006/diagram" xmlns:o="urn:schemas-microsoft-com:office:office" xmlns:v="urn:schemas-microsoft-com:vml" xmlns:pvml="urn:schemas-microsoft-com:office:powerpoint" xmlns:com="http://schemas.openxmlformats.org/drawingml/2006/compatibility" xmlns:p14="http://schemas.microsoft.com/office/powerpoint/2010/main" xmlns:p15="http://schemas.microsoft.com/office/powerpoint/2012/main" showMasterPhAnim="0" showMasterSp="0">
+<p:notes xmlns:a="http://schemas.openxmlformats.org/drawingml/2006/main" xmlns:r="http://schemas.openxmlformats.org/officeDocument/2006/relationships" xmlns:mc="http://schemas.openxmlformats.org/markup-compatibility/2006" xmlns:mv="urn:schemas-microsoft-com:mac:vml" xmlns:p="http://schemas.openxmlformats.org/presentationml/2006/main" xmlns:c="http://schemas.openxmlformats.org/drawingml/2006/chart" xmlns:dgm="http://schemas.openxmlformats.org/drawingml/2006/diagram" xmlns:o="urn:schemas-microsoft-com:office:office" xmlns:v="urn:schemas-microsoft-com:vml" xmlns:pvml="urn:schemas-microsoft-com:office:powerpoint" xmlns:com="http://schemas.openxmlformats.org/drawingml/2006/compatibility" xmlns:p14="http://schemas.microsoft.com/office/powerpoint/2010/main" xmlns:p15="http://schemas.microsoft.com/office/powerpoint/2012/main" xmlns:ahyp="http://schemas.microsoft.com/office/drawing/2018/hyperlinkcolor" showMasterPhAnim="0" showMasterSp="0">
   <p:cSld>
     <p:spTree>
       <p:nvGrpSpPr>
@@ -2503,7 +2603,7 @@
 </file>
 
 <file path=ppt/notesSlides/notesSlide9.xml><?xml version="1.0" encoding="utf-8"?>
-<p:notes xmlns:a="http://schemas.openxmlformats.org/drawingml/2006/main" xmlns:r="http://schemas.openxmlformats.org/officeDocument/2006/relationships" xmlns:mc="http://schemas.openxmlformats.org/markup-compatibility/2006" xmlns:mv="urn:schemas-microsoft-com:mac:vml" xmlns:p="http://schemas.openxmlformats.org/presentationml/2006/main" xmlns:c="http://schemas.openxmlformats.org/drawingml/2006/chart" xmlns:dgm="http://schemas.openxmlformats.org/drawingml/2006/diagram" xmlns:o="urn:schemas-microsoft-com:office:office" xmlns:v="urn:schemas-microsoft-com:vml" xmlns:pvml="urn:schemas-microsoft-com:office:powerpoint" xmlns:com="http://schemas.openxmlformats.org/drawingml/2006/compatibility" xmlns:p14="http://schemas.microsoft.com/office/powerpoint/2010/main" xmlns:p15="http://schemas.microsoft.com/office/powerpoint/2012/main" showMasterPhAnim="0" showMasterSp="0">
+<p:notes xmlns:a="http://schemas.openxmlformats.org/drawingml/2006/main" xmlns:r="http://schemas.openxmlformats.org/officeDocument/2006/relationships" xmlns:mc="http://schemas.openxmlformats.org/markup-compatibility/2006" xmlns:mv="urn:schemas-microsoft-com:mac:vml" xmlns:p="http://schemas.openxmlformats.org/presentationml/2006/main" xmlns:c="http://schemas.openxmlformats.org/drawingml/2006/chart" xmlns:dgm="http://schemas.openxmlformats.org/drawingml/2006/diagram" xmlns:o="urn:schemas-microsoft-com:office:office" xmlns:v="urn:schemas-microsoft-com:vml" xmlns:pvml="urn:schemas-microsoft-com:office:powerpoint" xmlns:com="http://schemas.openxmlformats.org/drawingml/2006/compatibility" xmlns:p14="http://schemas.microsoft.com/office/powerpoint/2010/main" xmlns:p15="http://schemas.microsoft.com/office/powerpoint/2012/main" xmlns:ahyp="http://schemas.microsoft.com/office/drawing/2018/hyperlinkcolor" showMasterPhAnim="0" showMasterSp="0">
   <p:cSld>
     <p:spTree>
       <p:nvGrpSpPr>
@@ -2602,7 +2702,7 @@
 </file>
 
 <file path=ppt/slideLayouts/slideLayout1.xml><?xml version="1.0" encoding="utf-8"?>
-<p:sldLayout xmlns:a="http://schemas.openxmlformats.org/drawingml/2006/main" xmlns:r="http://schemas.openxmlformats.org/officeDocument/2006/relationships" xmlns:mc="http://schemas.openxmlformats.org/markup-compatibility/2006" xmlns:mv="urn:schemas-microsoft-com:mac:vml" xmlns:p="http://schemas.openxmlformats.org/presentationml/2006/main" xmlns:c="http://schemas.openxmlformats.org/drawingml/2006/chart" xmlns:dgm="http://schemas.openxmlformats.org/drawingml/2006/diagram" xmlns:o="urn:schemas-microsoft-com:office:office" xmlns:v="urn:schemas-microsoft-com:vml" xmlns:pvml="urn:schemas-microsoft-com:office:powerpoint" xmlns:com="http://schemas.openxmlformats.org/drawingml/2006/compatibility" xmlns:p14="http://schemas.microsoft.com/office/powerpoint/2010/main" xmlns:p15="http://schemas.microsoft.com/office/powerpoint/2012/main" matchingName="Title slide" type="title">
+<p:sldLayout xmlns:a="http://schemas.openxmlformats.org/drawingml/2006/main" xmlns:r="http://schemas.openxmlformats.org/officeDocument/2006/relationships" xmlns:mc="http://schemas.openxmlformats.org/markup-compatibility/2006" xmlns:mv="urn:schemas-microsoft-com:mac:vml" xmlns:p="http://schemas.openxmlformats.org/presentationml/2006/main" xmlns:c="http://schemas.openxmlformats.org/drawingml/2006/chart" xmlns:dgm="http://schemas.openxmlformats.org/drawingml/2006/diagram" xmlns:o="urn:schemas-microsoft-com:office:office" xmlns:v="urn:schemas-microsoft-com:vml" xmlns:pvml="urn:schemas-microsoft-com:office:powerpoint" xmlns:com="http://schemas.openxmlformats.org/drawingml/2006/compatibility" xmlns:p14="http://schemas.microsoft.com/office/powerpoint/2010/main" xmlns:p15="http://schemas.microsoft.com/office/powerpoint/2012/main" xmlns:ahyp="http://schemas.microsoft.com/office/drawing/2018/hyperlinkcolor" matchingName="Title slide" type="title">
   <p:cSld name="TITLE">
     <p:spTree>
       <p:nvGrpSpPr>
@@ -3227,7 +3327,7 @@
 </file>
 
 <file path=ppt/slideLayouts/slideLayout10.xml><?xml version="1.0" encoding="utf-8"?>
-<p:sldLayout xmlns:a="http://schemas.openxmlformats.org/drawingml/2006/main" xmlns:r="http://schemas.openxmlformats.org/officeDocument/2006/relationships" xmlns:mc="http://schemas.openxmlformats.org/markup-compatibility/2006" xmlns:mv="urn:schemas-microsoft-com:mac:vml" xmlns:p="http://schemas.openxmlformats.org/presentationml/2006/main" xmlns:c="http://schemas.openxmlformats.org/drawingml/2006/chart" xmlns:dgm="http://schemas.openxmlformats.org/drawingml/2006/diagram" xmlns:o="urn:schemas-microsoft-com:office:office" xmlns:v="urn:schemas-microsoft-com:vml" xmlns:pvml="urn:schemas-microsoft-com:office:powerpoint" xmlns:com="http://schemas.openxmlformats.org/drawingml/2006/compatibility" xmlns:p14="http://schemas.microsoft.com/office/powerpoint/2010/main" xmlns:p15="http://schemas.microsoft.com/office/powerpoint/2012/main" matchingName="Big number">
+<p:sldLayout xmlns:a="http://schemas.openxmlformats.org/drawingml/2006/main" xmlns:r="http://schemas.openxmlformats.org/officeDocument/2006/relationships" xmlns:mc="http://schemas.openxmlformats.org/markup-compatibility/2006" xmlns:mv="urn:schemas-microsoft-com:mac:vml" xmlns:p="http://schemas.openxmlformats.org/presentationml/2006/main" xmlns:c="http://schemas.openxmlformats.org/drawingml/2006/chart" xmlns:dgm="http://schemas.openxmlformats.org/drawingml/2006/diagram" xmlns:o="urn:schemas-microsoft-com:office:office" xmlns:v="urn:schemas-microsoft-com:vml" xmlns:pvml="urn:schemas-microsoft-com:office:powerpoint" xmlns:com="http://schemas.openxmlformats.org/drawingml/2006/compatibility" xmlns:p14="http://schemas.microsoft.com/office/powerpoint/2010/main" xmlns:p15="http://schemas.microsoft.com/office/powerpoint/2012/main" xmlns:ahyp="http://schemas.microsoft.com/office/drawing/2018/hyperlinkcolor" matchingName="Big number">
   <p:cSld name="BIG_NUMBER">
     <p:spTree>
       <p:nvGrpSpPr>
@@ -4440,7 +4540,7 @@
 </file>
 
 <file path=ppt/slideLayouts/slideLayout11.xml><?xml version="1.0" encoding="utf-8"?>
-<p:sldLayout xmlns:a="http://schemas.openxmlformats.org/drawingml/2006/main" xmlns:r="http://schemas.openxmlformats.org/officeDocument/2006/relationships" xmlns:mc="http://schemas.openxmlformats.org/markup-compatibility/2006" xmlns:mv="urn:schemas-microsoft-com:mac:vml" xmlns:p="http://schemas.openxmlformats.org/presentationml/2006/main" xmlns:c="http://schemas.openxmlformats.org/drawingml/2006/chart" xmlns:dgm="http://schemas.openxmlformats.org/drawingml/2006/diagram" xmlns:o="urn:schemas-microsoft-com:office:office" xmlns:v="urn:schemas-microsoft-com:vml" xmlns:pvml="urn:schemas-microsoft-com:office:powerpoint" xmlns:com="http://schemas.openxmlformats.org/drawingml/2006/compatibility" xmlns:p14="http://schemas.microsoft.com/office/powerpoint/2010/main" xmlns:p15="http://schemas.microsoft.com/office/powerpoint/2012/main" matchingName="Blank" type="blank">
+<p:sldLayout xmlns:a="http://schemas.openxmlformats.org/drawingml/2006/main" xmlns:r="http://schemas.openxmlformats.org/officeDocument/2006/relationships" xmlns:mc="http://schemas.openxmlformats.org/markup-compatibility/2006" xmlns:mv="urn:schemas-microsoft-com:mac:vml" xmlns:p="http://schemas.openxmlformats.org/presentationml/2006/main" xmlns:c="http://schemas.openxmlformats.org/drawingml/2006/chart" xmlns:dgm="http://schemas.openxmlformats.org/drawingml/2006/diagram" xmlns:o="urn:schemas-microsoft-com:office:office" xmlns:v="urn:schemas-microsoft-com:vml" xmlns:pvml="urn:schemas-microsoft-com:office:powerpoint" xmlns:com="http://schemas.openxmlformats.org/drawingml/2006/compatibility" xmlns:p14="http://schemas.microsoft.com/office/powerpoint/2010/main" xmlns:p15="http://schemas.microsoft.com/office/powerpoint/2012/main" xmlns:ahyp="http://schemas.microsoft.com/office/drawing/2018/hyperlinkcolor" matchingName="Blank" type="blank">
   <p:cSld name="BLANK">
     <p:spTree>
       <p:nvGrpSpPr>
@@ -4542,7 +4642,7 @@
 </file>
 
 <file path=ppt/slideLayouts/slideLayout2.xml><?xml version="1.0" encoding="utf-8"?>
-<p:sldLayout xmlns:a="http://schemas.openxmlformats.org/drawingml/2006/main" xmlns:r="http://schemas.openxmlformats.org/officeDocument/2006/relationships" xmlns:mc="http://schemas.openxmlformats.org/markup-compatibility/2006" xmlns:mv="urn:schemas-microsoft-com:mac:vml" xmlns:p="http://schemas.openxmlformats.org/presentationml/2006/main" xmlns:c="http://schemas.openxmlformats.org/drawingml/2006/chart" xmlns:dgm="http://schemas.openxmlformats.org/drawingml/2006/diagram" xmlns:o="urn:schemas-microsoft-com:office:office" xmlns:v="urn:schemas-microsoft-com:vml" xmlns:pvml="urn:schemas-microsoft-com:office:powerpoint" xmlns:com="http://schemas.openxmlformats.org/drawingml/2006/compatibility" xmlns:p14="http://schemas.microsoft.com/office/powerpoint/2010/main" xmlns:p15="http://schemas.microsoft.com/office/powerpoint/2012/main" matchingName="Section header" type="secHead">
+<p:sldLayout xmlns:a="http://schemas.openxmlformats.org/drawingml/2006/main" xmlns:r="http://schemas.openxmlformats.org/officeDocument/2006/relationships" xmlns:mc="http://schemas.openxmlformats.org/markup-compatibility/2006" xmlns:mv="urn:schemas-microsoft-com:mac:vml" xmlns:p="http://schemas.openxmlformats.org/presentationml/2006/main" xmlns:c="http://schemas.openxmlformats.org/drawingml/2006/chart" xmlns:dgm="http://schemas.openxmlformats.org/drawingml/2006/diagram" xmlns:o="urn:schemas-microsoft-com:office:office" xmlns:v="urn:schemas-microsoft-com:vml" xmlns:pvml="urn:schemas-microsoft-com:office:powerpoint" xmlns:com="http://schemas.openxmlformats.org/drawingml/2006/compatibility" xmlns:p14="http://schemas.microsoft.com/office/powerpoint/2010/main" xmlns:p15="http://schemas.microsoft.com/office/powerpoint/2012/main" xmlns:ahyp="http://schemas.microsoft.com/office/drawing/2018/hyperlinkcolor" matchingName="Section header" type="secHead">
   <p:cSld name="SECTION_HEADER">
     <p:spTree>
       <p:nvGrpSpPr>
@@ -5626,7 +5726,7 @@
 </file>
 
 <file path=ppt/slideLayouts/slideLayout3.xml><?xml version="1.0" encoding="utf-8"?>
-<p:sldLayout xmlns:a="http://schemas.openxmlformats.org/drawingml/2006/main" xmlns:r="http://schemas.openxmlformats.org/officeDocument/2006/relationships" xmlns:mc="http://schemas.openxmlformats.org/markup-compatibility/2006" xmlns:mv="urn:schemas-microsoft-com:mac:vml" xmlns:p="http://schemas.openxmlformats.org/presentationml/2006/main" xmlns:c="http://schemas.openxmlformats.org/drawingml/2006/chart" xmlns:dgm="http://schemas.openxmlformats.org/drawingml/2006/diagram" xmlns:o="urn:schemas-microsoft-com:office:office" xmlns:v="urn:schemas-microsoft-com:vml" xmlns:pvml="urn:schemas-microsoft-com:office:powerpoint" xmlns:com="http://schemas.openxmlformats.org/drawingml/2006/compatibility" xmlns:p14="http://schemas.microsoft.com/office/powerpoint/2010/main" xmlns:p15="http://schemas.microsoft.com/office/powerpoint/2012/main" matchingName="Title and body" type="tx">
+<p:sldLayout xmlns:a="http://schemas.openxmlformats.org/drawingml/2006/main" xmlns:r="http://schemas.openxmlformats.org/officeDocument/2006/relationships" xmlns:mc="http://schemas.openxmlformats.org/markup-compatibility/2006" xmlns:mv="urn:schemas-microsoft-com:mac:vml" xmlns:p="http://schemas.openxmlformats.org/presentationml/2006/main" xmlns:c="http://schemas.openxmlformats.org/drawingml/2006/chart" xmlns:dgm="http://schemas.openxmlformats.org/drawingml/2006/diagram" xmlns:o="urn:schemas-microsoft-com:office:office" xmlns:v="urn:schemas-microsoft-com:vml" xmlns:pvml="urn:schemas-microsoft-com:office:powerpoint" xmlns:com="http://schemas.openxmlformats.org/drawingml/2006/compatibility" xmlns:p14="http://schemas.microsoft.com/office/powerpoint/2010/main" xmlns:p15="http://schemas.microsoft.com/office/powerpoint/2012/main" xmlns:ahyp="http://schemas.microsoft.com/office/drawing/2018/hyperlinkcolor" matchingName="Title and body" type="tx">
   <p:cSld name="TITLE_AND_BODY">
     <p:spTree>
       <p:nvGrpSpPr>
@@ -6083,7 +6183,7 @@
 </file>
 
 <file path=ppt/slideLayouts/slideLayout4.xml><?xml version="1.0" encoding="utf-8"?>
-<p:sldLayout xmlns:a="http://schemas.openxmlformats.org/drawingml/2006/main" xmlns:r="http://schemas.openxmlformats.org/officeDocument/2006/relationships" xmlns:mc="http://schemas.openxmlformats.org/markup-compatibility/2006" xmlns:mv="urn:schemas-microsoft-com:mac:vml" xmlns:p="http://schemas.openxmlformats.org/presentationml/2006/main" xmlns:c="http://schemas.openxmlformats.org/drawingml/2006/chart" xmlns:dgm="http://schemas.openxmlformats.org/drawingml/2006/diagram" xmlns:o="urn:schemas-microsoft-com:office:office" xmlns:v="urn:schemas-microsoft-com:vml" xmlns:pvml="urn:schemas-microsoft-com:office:powerpoint" xmlns:com="http://schemas.openxmlformats.org/drawingml/2006/compatibility" xmlns:p14="http://schemas.microsoft.com/office/powerpoint/2010/main" xmlns:p15="http://schemas.microsoft.com/office/powerpoint/2012/main" matchingName="Title and two columns" type="twoColTx">
+<p:sldLayout xmlns:a="http://schemas.openxmlformats.org/drawingml/2006/main" xmlns:r="http://schemas.openxmlformats.org/officeDocument/2006/relationships" xmlns:mc="http://schemas.openxmlformats.org/markup-compatibility/2006" xmlns:mv="urn:schemas-microsoft-com:mac:vml" xmlns:p="http://schemas.openxmlformats.org/presentationml/2006/main" xmlns:c="http://schemas.openxmlformats.org/drawingml/2006/chart" xmlns:dgm="http://schemas.openxmlformats.org/drawingml/2006/diagram" xmlns:o="urn:schemas-microsoft-com:office:office" xmlns:v="urn:schemas-microsoft-com:vml" xmlns:pvml="urn:schemas-microsoft-com:office:powerpoint" xmlns:com="http://schemas.openxmlformats.org/drawingml/2006/compatibility" xmlns:p14="http://schemas.microsoft.com/office/powerpoint/2010/main" xmlns:p15="http://schemas.microsoft.com/office/powerpoint/2012/main" xmlns:ahyp="http://schemas.microsoft.com/office/drawing/2018/hyperlinkcolor" matchingName="Title and two columns" type="twoColTx">
   <p:cSld name="TITLE_AND_TWO_COLUMNS">
     <p:spTree>
       <p:nvGrpSpPr>
@@ -6665,7 +6765,7 @@
 </file>
 
 <file path=ppt/slideLayouts/slideLayout5.xml><?xml version="1.0" encoding="utf-8"?>
-<p:sldLayout xmlns:a="http://schemas.openxmlformats.org/drawingml/2006/main" xmlns:r="http://schemas.openxmlformats.org/officeDocument/2006/relationships" xmlns:mc="http://schemas.openxmlformats.org/markup-compatibility/2006" xmlns:mv="urn:schemas-microsoft-com:mac:vml" xmlns:p="http://schemas.openxmlformats.org/presentationml/2006/main" xmlns:c="http://schemas.openxmlformats.org/drawingml/2006/chart" xmlns:dgm="http://schemas.openxmlformats.org/drawingml/2006/diagram" xmlns:o="urn:schemas-microsoft-com:office:office" xmlns:v="urn:schemas-microsoft-com:vml" xmlns:pvml="urn:schemas-microsoft-com:office:powerpoint" xmlns:com="http://schemas.openxmlformats.org/drawingml/2006/compatibility" xmlns:p14="http://schemas.microsoft.com/office/powerpoint/2010/main" xmlns:p15="http://schemas.microsoft.com/office/powerpoint/2012/main" matchingName="Title only" type="titleOnly">
+<p:sldLayout xmlns:a="http://schemas.openxmlformats.org/drawingml/2006/main" xmlns:r="http://schemas.openxmlformats.org/officeDocument/2006/relationships" xmlns:mc="http://schemas.openxmlformats.org/markup-compatibility/2006" xmlns:mv="urn:schemas-microsoft-com:mac:vml" xmlns:p="http://schemas.openxmlformats.org/presentationml/2006/main" xmlns:c="http://schemas.openxmlformats.org/drawingml/2006/chart" xmlns:dgm="http://schemas.openxmlformats.org/drawingml/2006/diagram" xmlns:o="urn:schemas-microsoft-com:office:office" xmlns:v="urn:schemas-microsoft-com:vml" xmlns:pvml="urn:schemas-microsoft-com:office:powerpoint" xmlns:com="http://schemas.openxmlformats.org/drawingml/2006/compatibility" xmlns:p14="http://schemas.microsoft.com/office/powerpoint/2010/main" xmlns:p15="http://schemas.microsoft.com/office/powerpoint/2012/main" xmlns:ahyp="http://schemas.microsoft.com/office/drawing/2018/hyperlinkcolor" matchingName="Title only" type="titleOnly">
   <p:cSld name="TITLE_ONLY">
     <p:spTree>
       <p:nvGrpSpPr>
@@ -6997,7 +7097,7 @@
 </file>
 
 <file path=ppt/slideLayouts/slideLayout6.xml><?xml version="1.0" encoding="utf-8"?>
-<p:sldLayout xmlns:a="http://schemas.openxmlformats.org/drawingml/2006/main" xmlns:r="http://schemas.openxmlformats.org/officeDocument/2006/relationships" xmlns:mc="http://schemas.openxmlformats.org/markup-compatibility/2006" xmlns:mv="urn:schemas-microsoft-com:mac:vml" xmlns:p="http://schemas.openxmlformats.org/presentationml/2006/main" xmlns:c="http://schemas.openxmlformats.org/drawingml/2006/chart" xmlns:dgm="http://schemas.openxmlformats.org/drawingml/2006/diagram" xmlns:o="urn:schemas-microsoft-com:office:office" xmlns:v="urn:schemas-microsoft-com:vml" xmlns:pvml="urn:schemas-microsoft-com:office:powerpoint" xmlns:com="http://schemas.openxmlformats.org/drawingml/2006/compatibility" xmlns:p14="http://schemas.microsoft.com/office/powerpoint/2010/main" xmlns:p15="http://schemas.microsoft.com/office/powerpoint/2012/main" matchingName="One column text">
+<p:sldLayout xmlns:a="http://schemas.openxmlformats.org/drawingml/2006/main" xmlns:r="http://schemas.openxmlformats.org/officeDocument/2006/relationships" xmlns:mc="http://schemas.openxmlformats.org/markup-compatibility/2006" xmlns:mv="urn:schemas-microsoft-com:mac:vml" xmlns:p="http://schemas.openxmlformats.org/presentationml/2006/main" xmlns:c="http://schemas.openxmlformats.org/drawingml/2006/chart" xmlns:dgm="http://schemas.openxmlformats.org/drawingml/2006/diagram" xmlns:o="urn:schemas-microsoft-com:office:office" xmlns:v="urn:schemas-microsoft-com:vml" xmlns:pvml="urn:schemas-microsoft-com:office:powerpoint" xmlns:com="http://schemas.openxmlformats.org/drawingml/2006/compatibility" xmlns:p14="http://schemas.microsoft.com/office/powerpoint/2010/main" xmlns:p15="http://schemas.microsoft.com/office/powerpoint/2012/main" xmlns:ahyp="http://schemas.microsoft.com/office/drawing/2018/hyperlinkcolor" matchingName="One column text">
   <p:cSld name="ONE_COLUMN_TEXT">
     <p:spTree>
       <p:nvGrpSpPr>
@@ -7454,7 +7554,7 @@
 </file>
 
 <file path=ppt/slideLayouts/slideLayout7.xml><?xml version="1.0" encoding="utf-8"?>
-<p:sldLayout xmlns:a="http://schemas.openxmlformats.org/drawingml/2006/main" xmlns:r="http://schemas.openxmlformats.org/officeDocument/2006/relationships" xmlns:mc="http://schemas.openxmlformats.org/markup-compatibility/2006" xmlns:mv="urn:schemas-microsoft-com:mac:vml" xmlns:p="http://schemas.openxmlformats.org/presentationml/2006/main" xmlns:c="http://schemas.openxmlformats.org/drawingml/2006/chart" xmlns:dgm="http://schemas.openxmlformats.org/drawingml/2006/diagram" xmlns:o="urn:schemas-microsoft-com:office:office" xmlns:v="urn:schemas-microsoft-com:vml" xmlns:pvml="urn:schemas-microsoft-com:office:powerpoint" xmlns:com="http://schemas.openxmlformats.org/drawingml/2006/compatibility" xmlns:p14="http://schemas.microsoft.com/office/powerpoint/2010/main" xmlns:p15="http://schemas.microsoft.com/office/powerpoint/2012/main" matchingName="Main point">
+<p:sldLayout xmlns:a="http://schemas.openxmlformats.org/drawingml/2006/main" xmlns:r="http://schemas.openxmlformats.org/officeDocument/2006/relationships" xmlns:mc="http://schemas.openxmlformats.org/markup-compatibility/2006" xmlns:mv="urn:schemas-microsoft-com:mac:vml" xmlns:p="http://schemas.openxmlformats.org/presentationml/2006/main" xmlns:c="http://schemas.openxmlformats.org/drawingml/2006/chart" xmlns:dgm="http://schemas.openxmlformats.org/drawingml/2006/diagram" xmlns:o="urn:schemas-microsoft-com:office:office" xmlns:v="urn:schemas-microsoft-com:vml" xmlns:pvml="urn:schemas-microsoft-com:office:powerpoint" xmlns:com="http://schemas.openxmlformats.org/drawingml/2006/compatibility" xmlns:p14="http://schemas.microsoft.com/office/powerpoint/2010/main" xmlns:p15="http://schemas.microsoft.com/office/powerpoint/2012/main" xmlns:ahyp="http://schemas.microsoft.com/office/drawing/2018/hyperlinkcolor" matchingName="Main point">
   <p:cSld name="MAIN_POINT">
     <p:spTree>
       <p:nvGrpSpPr>
@@ -8538,7 +8638,7 @@
 </file>
 
 <file path=ppt/slideLayouts/slideLayout8.xml><?xml version="1.0" encoding="utf-8"?>
-<p:sldLayout xmlns:a="http://schemas.openxmlformats.org/drawingml/2006/main" xmlns:r="http://schemas.openxmlformats.org/officeDocument/2006/relationships" xmlns:mc="http://schemas.openxmlformats.org/markup-compatibility/2006" xmlns:mv="urn:schemas-microsoft-com:mac:vml" xmlns:p="http://schemas.openxmlformats.org/presentationml/2006/main" xmlns:c="http://schemas.openxmlformats.org/drawingml/2006/chart" xmlns:dgm="http://schemas.openxmlformats.org/drawingml/2006/diagram" xmlns:o="urn:schemas-microsoft-com:office:office" xmlns:v="urn:schemas-microsoft-com:vml" xmlns:pvml="urn:schemas-microsoft-com:office:powerpoint" xmlns:com="http://schemas.openxmlformats.org/drawingml/2006/compatibility" xmlns:p14="http://schemas.microsoft.com/office/powerpoint/2010/main" xmlns:p15="http://schemas.microsoft.com/office/powerpoint/2012/main" matchingName="Section title and description">
+<p:sldLayout xmlns:a="http://schemas.openxmlformats.org/drawingml/2006/main" xmlns:r="http://schemas.openxmlformats.org/officeDocument/2006/relationships" xmlns:mc="http://schemas.openxmlformats.org/markup-compatibility/2006" xmlns:mv="urn:schemas-microsoft-com:mac:vml" xmlns:p="http://schemas.openxmlformats.org/presentationml/2006/main" xmlns:c="http://schemas.openxmlformats.org/drawingml/2006/chart" xmlns:dgm="http://schemas.openxmlformats.org/drawingml/2006/diagram" xmlns:o="urn:schemas-microsoft-com:office:office" xmlns:v="urn:schemas-microsoft-com:vml" xmlns:pvml="urn:schemas-microsoft-com:office:powerpoint" xmlns:com="http://schemas.openxmlformats.org/drawingml/2006/compatibility" xmlns:p14="http://schemas.microsoft.com/office/powerpoint/2010/main" xmlns:p15="http://schemas.microsoft.com/office/powerpoint/2012/main" xmlns:ahyp="http://schemas.microsoft.com/office/drawing/2018/hyperlinkcolor" matchingName="Section title and description">
   <p:cSld name="SECTION_TITLE_AND_DESCRIPTION">
     <p:spTree>
       <p:nvGrpSpPr>
@@ -9147,7 +9247,7 @@
 </file>
 
 <file path=ppt/slideLayouts/slideLayout9.xml><?xml version="1.0" encoding="utf-8"?>
-<p:sldLayout xmlns:a="http://schemas.openxmlformats.org/drawingml/2006/main" xmlns:r="http://schemas.openxmlformats.org/officeDocument/2006/relationships" xmlns:mc="http://schemas.openxmlformats.org/markup-compatibility/2006" xmlns:mv="urn:schemas-microsoft-com:mac:vml" xmlns:p="http://schemas.openxmlformats.org/presentationml/2006/main" xmlns:c="http://schemas.openxmlformats.org/drawingml/2006/chart" xmlns:dgm="http://schemas.openxmlformats.org/drawingml/2006/diagram" xmlns:o="urn:schemas-microsoft-com:office:office" xmlns:v="urn:schemas-microsoft-com:vml" xmlns:pvml="urn:schemas-microsoft-com:office:powerpoint" xmlns:com="http://schemas.openxmlformats.org/drawingml/2006/compatibility" xmlns:p14="http://schemas.microsoft.com/office/powerpoint/2010/main" xmlns:p15="http://schemas.microsoft.com/office/powerpoint/2012/main" matchingName="Caption">
+<p:sldLayout xmlns:a="http://schemas.openxmlformats.org/drawingml/2006/main" xmlns:r="http://schemas.openxmlformats.org/officeDocument/2006/relationships" xmlns:mc="http://schemas.openxmlformats.org/markup-compatibility/2006" xmlns:mv="urn:schemas-microsoft-com:mac:vml" xmlns:p="http://schemas.openxmlformats.org/presentationml/2006/main" xmlns:c="http://schemas.openxmlformats.org/drawingml/2006/chart" xmlns:dgm="http://schemas.openxmlformats.org/drawingml/2006/diagram" xmlns:o="urn:schemas-microsoft-com:office:office" xmlns:v="urn:schemas-microsoft-com:vml" xmlns:pvml="urn:schemas-microsoft-com:office:powerpoint" xmlns:com="http://schemas.openxmlformats.org/drawingml/2006/compatibility" xmlns:p14="http://schemas.microsoft.com/office/powerpoint/2010/main" xmlns:p15="http://schemas.microsoft.com/office/powerpoint/2012/main" xmlns:ahyp="http://schemas.microsoft.com/office/drawing/2018/hyperlinkcolor" matchingName="Caption">
   <p:cSld name="CAPTION_ONLY">
     <p:spTree>
       <p:nvGrpSpPr>
@@ -9398,7 +9498,7 @@
 </file>
 
 <file path=ppt/slideMasters/slideMaster1.xml><?xml version="1.0" encoding="utf-8"?>
-<p:sldMaster xmlns:a="http://schemas.openxmlformats.org/drawingml/2006/main" xmlns:r="http://schemas.openxmlformats.org/officeDocument/2006/relationships" xmlns:mc="http://schemas.openxmlformats.org/markup-compatibility/2006" xmlns:mv="urn:schemas-microsoft-com:mac:vml" xmlns:p="http://schemas.openxmlformats.org/presentationml/2006/main" xmlns:c="http://schemas.openxmlformats.org/drawingml/2006/chart" xmlns:dgm="http://schemas.openxmlformats.org/drawingml/2006/diagram" xmlns:o="urn:schemas-microsoft-com:office:office" xmlns:v="urn:schemas-microsoft-com:vml" xmlns:pvml="urn:schemas-microsoft-com:office:powerpoint" xmlns:com="http://schemas.openxmlformats.org/drawingml/2006/compatibility" xmlns:p14="http://schemas.microsoft.com/office/powerpoint/2010/main" xmlns:p15="http://schemas.microsoft.com/office/powerpoint/2012/main">
+<p:sldMaster xmlns:a="http://schemas.openxmlformats.org/drawingml/2006/main" xmlns:r="http://schemas.openxmlformats.org/officeDocument/2006/relationships" xmlns:mc="http://schemas.openxmlformats.org/markup-compatibility/2006" xmlns:mv="urn:schemas-microsoft-com:mac:vml" xmlns:p="http://schemas.openxmlformats.org/presentationml/2006/main" xmlns:c="http://schemas.openxmlformats.org/drawingml/2006/chart" xmlns:dgm="http://schemas.openxmlformats.org/drawingml/2006/diagram" xmlns:o="urn:schemas-microsoft-com:office:office" xmlns:v="urn:schemas-microsoft-com:vml" xmlns:pvml="urn:schemas-microsoft-com:office:powerpoint" xmlns:com="http://schemas.openxmlformats.org/drawingml/2006/compatibility" xmlns:p14="http://schemas.microsoft.com/office/powerpoint/2010/main" xmlns:p15="http://schemas.microsoft.com/office/powerpoint/2012/main" xmlns:ahyp="http://schemas.microsoft.com/office/drawing/2018/hyperlinkcolor">
   <p:cSld name="focus">
     <p:bg>
       <p:bgPr>
@@ -10785,7 +10885,7 @@
 </file>
 
 <file path=ppt/slides/slide1.xml><?xml version="1.0" encoding="utf-8"?>
-<p:sld xmlns:a="http://schemas.openxmlformats.org/drawingml/2006/main" xmlns:r="http://schemas.openxmlformats.org/officeDocument/2006/relationships" xmlns:mc="http://schemas.openxmlformats.org/markup-compatibility/2006" xmlns:mv="urn:schemas-microsoft-com:mac:vml" xmlns:p="http://schemas.openxmlformats.org/presentationml/2006/main" xmlns:c="http://schemas.openxmlformats.org/drawingml/2006/chart" xmlns:dgm="http://schemas.openxmlformats.org/drawingml/2006/diagram" xmlns:o="urn:schemas-microsoft-com:office:office" xmlns:v="urn:schemas-microsoft-com:vml" xmlns:pvml="urn:schemas-microsoft-com:office:powerpoint" xmlns:com="http://schemas.openxmlformats.org/drawingml/2006/compatibility" xmlns:p14="http://schemas.microsoft.com/office/powerpoint/2010/main" xmlns:p15="http://schemas.microsoft.com/office/powerpoint/2012/main">
+<p:sld xmlns:a="http://schemas.openxmlformats.org/drawingml/2006/main" xmlns:r="http://schemas.openxmlformats.org/officeDocument/2006/relationships" xmlns:mc="http://schemas.openxmlformats.org/markup-compatibility/2006" xmlns:mv="urn:schemas-microsoft-com:mac:vml" xmlns:p="http://schemas.openxmlformats.org/presentationml/2006/main" xmlns:c="http://schemas.openxmlformats.org/drawingml/2006/chart" xmlns:dgm="http://schemas.openxmlformats.org/drawingml/2006/diagram" xmlns:o="urn:schemas-microsoft-com:office:office" xmlns:v="urn:schemas-microsoft-com:vml" xmlns:pvml="urn:schemas-microsoft-com:office:powerpoint" xmlns:com="http://schemas.openxmlformats.org/drawingml/2006/compatibility" xmlns:p14="http://schemas.microsoft.com/office/powerpoint/2010/main" xmlns:p15="http://schemas.microsoft.com/office/powerpoint/2012/main" xmlns:ahyp="http://schemas.microsoft.com/office/drawing/2018/hyperlinkcolor">
   <p:cSld>
     <p:spTree>
       <p:nvGrpSpPr>
@@ -10929,7 +11029,7 @@
 </file>
 
 <file path=ppt/slides/slide10.xml><?xml version="1.0" encoding="utf-8"?>
-<p:sld xmlns:a="http://schemas.openxmlformats.org/drawingml/2006/main" xmlns:r="http://schemas.openxmlformats.org/officeDocument/2006/relationships" xmlns:mc="http://schemas.openxmlformats.org/markup-compatibility/2006" xmlns:mv="urn:schemas-microsoft-com:mac:vml" xmlns:p="http://schemas.openxmlformats.org/presentationml/2006/main" xmlns:c="http://schemas.openxmlformats.org/drawingml/2006/chart" xmlns:dgm="http://schemas.openxmlformats.org/drawingml/2006/diagram" xmlns:o="urn:schemas-microsoft-com:office:office" xmlns:v="urn:schemas-microsoft-com:vml" xmlns:pvml="urn:schemas-microsoft-com:office:powerpoint" xmlns:com="http://schemas.openxmlformats.org/drawingml/2006/compatibility" xmlns:p14="http://schemas.microsoft.com/office/powerpoint/2010/main" xmlns:p15="http://schemas.microsoft.com/office/powerpoint/2012/main">
+<p:sld xmlns:a="http://schemas.openxmlformats.org/drawingml/2006/main" xmlns:r="http://schemas.openxmlformats.org/officeDocument/2006/relationships" xmlns:mc="http://schemas.openxmlformats.org/markup-compatibility/2006" xmlns:mv="urn:schemas-microsoft-com:mac:vml" xmlns:p="http://schemas.openxmlformats.org/presentationml/2006/main" xmlns:c="http://schemas.openxmlformats.org/drawingml/2006/chart" xmlns:dgm="http://schemas.openxmlformats.org/drawingml/2006/diagram" xmlns:o="urn:schemas-microsoft-com:office:office" xmlns:v="urn:schemas-microsoft-com:vml" xmlns:pvml="urn:schemas-microsoft-com:office:powerpoint" xmlns:com="http://schemas.openxmlformats.org/drawingml/2006/compatibility" xmlns:p14="http://schemas.microsoft.com/office/powerpoint/2010/main" xmlns:p15="http://schemas.microsoft.com/office/powerpoint/2012/main" xmlns:ahyp="http://schemas.microsoft.com/office/drawing/2018/hyperlinkcolor">
   <p:cSld>
     <p:spTree>
       <p:nvGrpSpPr>
@@ -11120,7 +11220,7 @@
 </file>
 
 <file path=ppt/slides/slide11.xml><?xml version="1.0" encoding="utf-8"?>
-<p:sld xmlns:a="http://schemas.openxmlformats.org/drawingml/2006/main" xmlns:r="http://schemas.openxmlformats.org/officeDocument/2006/relationships" xmlns:mc="http://schemas.openxmlformats.org/markup-compatibility/2006" xmlns:mv="urn:schemas-microsoft-com:mac:vml" xmlns:p="http://schemas.openxmlformats.org/presentationml/2006/main" xmlns:c="http://schemas.openxmlformats.org/drawingml/2006/chart" xmlns:dgm="http://schemas.openxmlformats.org/drawingml/2006/diagram" xmlns:o="urn:schemas-microsoft-com:office:office" xmlns:v="urn:schemas-microsoft-com:vml" xmlns:pvml="urn:schemas-microsoft-com:office:powerpoint" xmlns:com="http://schemas.openxmlformats.org/drawingml/2006/compatibility" xmlns:p14="http://schemas.microsoft.com/office/powerpoint/2010/main" xmlns:p15="http://schemas.microsoft.com/office/powerpoint/2012/main">
+<p:sld xmlns:a="http://schemas.openxmlformats.org/drawingml/2006/main" xmlns:r="http://schemas.openxmlformats.org/officeDocument/2006/relationships" xmlns:mc="http://schemas.openxmlformats.org/markup-compatibility/2006" xmlns:mv="urn:schemas-microsoft-com:mac:vml" xmlns:p="http://schemas.openxmlformats.org/presentationml/2006/main" xmlns:c="http://schemas.openxmlformats.org/drawingml/2006/chart" xmlns:dgm="http://schemas.openxmlformats.org/drawingml/2006/diagram" xmlns:o="urn:schemas-microsoft-com:office:office" xmlns:v="urn:schemas-microsoft-com:vml" xmlns:pvml="urn:schemas-microsoft-com:office:powerpoint" xmlns:com="http://schemas.openxmlformats.org/drawingml/2006/compatibility" xmlns:p14="http://schemas.microsoft.com/office/powerpoint/2010/main" xmlns:p15="http://schemas.microsoft.com/office/powerpoint/2012/main" xmlns:ahyp="http://schemas.microsoft.com/office/drawing/2018/hyperlinkcolor">
   <p:cSld>
     <p:spTree>
       <p:nvGrpSpPr>
@@ -11185,7 +11285,7 @@
 </file>
 
 <file path=ppt/slides/slide12.xml><?xml version="1.0" encoding="utf-8"?>
-<p:sld xmlns:a="http://schemas.openxmlformats.org/drawingml/2006/main" xmlns:r="http://schemas.openxmlformats.org/officeDocument/2006/relationships" xmlns:mc="http://schemas.openxmlformats.org/markup-compatibility/2006" xmlns:mv="urn:schemas-microsoft-com:mac:vml" xmlns:p="http://schemas.openxmlformats.org/presentationml/2006/main" xmlns:c="http://schemas.openxmlformats.org/drawingml/2006/chart" xmlns:dgm="http://schemas.openxmlformats.org/drawingml/2006/diagram" xmlns:o="urn:schemas-microsoft-com:office:office" xmlns:v="urn:schemas-microsoft-com:vml" xmlns:pvml="urn:schemas-microsoft-com:office:powerpoint" xmlns:com="http://schemas.openxmlformats.org/drawingml/2006/compatibility" xmlns:p14="http://schemas.microsoft.com/office/powerpoint/2010/main" xmlns:p15="http://schemas.microsoft.com/office/powerpoint/2012/main">
+<p:sld xmlns:a="http://schemas.openxmlformats.org/drawingml/2006/main" xmlns:r="http://schemas.openxmlformats.org/officeDocument/2006/relationships" xmlns:mc="http://schemas.openxmlformats.org/markup-compatibility/2006" xmlns:mv="urn:schemas-microsoft-com:mac:vml" xmlns:p="http://schemas.openxmlformats.org/presentationml/2006/main" xmlns:c="http://schemas.openxmlformats.org/drawingml/2006/chart" xmlns:dgm="http://schemas.openxmlformats.org/drawingml/2006/diagram" xmlns:o="urn:schemas-microsoft-com:office:office" xmlns:v="urn:schemas-microsoft-com:vml" xmlns:pvml="urn:schemas-microsoft-com:office:powerpoint" xmlns:com="http://schemas.openxmlformats.org/drawingml/2006/compatibility" xmlns:p14="http://schemas.microsoft.com/office/powerpoint/2010/main" xmlns:p15="http://schemas.microsoft.com/office/powerpoint/2012/main" xmlns:ahyp="http://schemas.microsoft.com/office/drawing/2018/hyperlinkcolor">
   <p:cSld>
     <p:spTree>
       <p:nvGrpSpPr>
@@ -11365,6 +11465,23 @@
             </a:r>
             <a:endParaRPr sz="1600"/>
           </a:p>
+          <a:p>
+            <a:pPr indent="-330200" lvl="0" marL="457200" rtl="0" algn="l">
+              <a:spcBef>
+                <a:spcPts val="0"/>
+              </a:spcBef>
+              <a:spcAft>
+                <a:spcPts val="0"/>
+              </a:spcAft>
+              <a:buSzPts val="1600"/>
+              <a:buChar char="●"/>
+            </a:pPr>
+            <a:r>
+              <a:rPr lang="en" sz="1600"/>
+              <a:t>Run for multiple cities and suggest a psychologist in a strongly negative environment</a:t>
+            </a:r>
+            <a:endParaRPr sz="1600"/>
+          </a:p>
         </p:txBody>
       </p:sp>
     </p:spTree>
@@ -11376,7 +11493,7 @@
 </file>
 
 <file path=ppt/slides/slide13.xml><?xml version="1.0" encoding="utf-8"?>
-<p:sld xmlns:a="http://schemas.openxmlformats.org/drawingml/2006/main" xmlns:r="http://schemas.openxmlformats.org/officeDocument/2006/relationships" xmlns:mc="http://schemas.openxmlformats.org/markup-compatibility/2006" xmlns:mv="urn:schemas-microsoft-com:mac:vml" xmlns:p="http://schemas.openxmlformats.org/presentationml/2006/main" xmlns:c="http://schemas.openxmlformats.org/drawingml/2006/chart" xmlns:dgm="http://schemas.openxmlformats.org/drawingml/2006/diagram" xmlns:o="urn:schemas-microsoft-com:office:office" xmlns:v="urn:schemas-microsoft-com:vml" xmlns:pvml="urn:schemas-microsoft-com:office:powerpoint" xmlns:com="http://schemas.openxmlformats.org/drawingml/2006/compatibility" xmlns:p14="http://schemas.microsoft.com/office/powerpoint/2010/main" xmlns:p15="http://schemas.microsoft.com/office/powerpoint/2012/main">
+<p:sld xmlns:a="http://schemas.openxmlformats.org/drawingml/2006/main" xmlns:r="http://schemas.openxmlformats.org/officeDocument/2006/relationships" xmlns:mc="http://schemas.openxmlformats.org/markup-compatibility/2006" xmlns:mv="urn:schemas-microsoft-com:mac:vml" xmlns:p="http://schemas.openxmlformats.org/presentationml/2006/main" xmlns:c="http://schemas.openxmlformats.org/drawingml/2006/chart" xmlns:dgm="http://schemas.openxmlformats.org/drawingml/2006/diagram" xmlns:o="urn:schemas-microsoft-com:office:office" xmlns:v="urn:schemas-microsoft-com:vml" xmlns:pvml="urn:schemas-microsoft-com:office:powerpoint" xmlns:com="http://schemas.openxmlformats.org/drawingml/2006/compatibility" xmlns:p14="http://schemas.microsoft.com/office/powerpoint/2010/main" xmlns:p15="http://schemas.microsoft.com/office/powerpoint/2012/main" xmlns:ahyp="http://schemas.microsoft.com/office/drawing/2018/hyperlinkcolor">
   <p:cSld>
     <p:spTree>
       <p:nvGrpSpPr>
@@ -11469,7 +11586,7 @@
 </file>
 
 <file path=ppt/slides/slide14.xml><?xml version="1.0" encoding="utf-8"?>
-<p:sld xmlns:a="http://schemas.openxmlformats.org/drawingml/2006/main" xmlns:r="http://schemas.openxmlformats.org/officeDocument/2006/relationships" xmlns:mc="http://schemas.openxmlformats.org/markup-compatibility/2006" xmlns:mv="urn:schemas-microsoft-com:mac:vml" xmlns:p="http://schemas.openxmlformats.org/presentationml/2006/main" xmlns:c="http://schemas.openxmlformats.org/drawingml/2006/chart" xmlns:dgm="http://schemas.openxmlformats.org/drawingml/2006/diagram" xmlns:o="urn:schemas-microsoft-com:office:office" xmlns:v="urn:schemas-microsoft-com:vml" xmlns:pvml="urn:schemas-microsoft-com:office:powerpoint" xmlns:com="http://schemas.openxmlformats.org/drawingml/2006/compatibility" xmlns:p14="http://schemas.microsoft.com/office/powerpoint/2010/main" xmlns:p15="http://schemas.microsoft.com/office/powerpoint/2012/main">
+<p:sld xmlns:a="http://schemas.openxmlformats.org/drawingml/2006/main" xmlns:r="http://schemas.openxmlformats.org/officeDocument/2006/relationships" xmlns:mc="http://schemas.openxmlformats.org/markup-compatibility/2006" xmlns:mv="urn:schemas-microsoft-com:mac:vml" xmlns:p="http://schemas.openxmlformats.org/presentationml/2006/main" xmlns:c="http://schemas.openxmlformats.org/drawingml/2006/chart" xmlns:dgm="http://schemas.openxmlformats.org/drawingml/2006/diagram" xmlns:o="urn:schemas-microsoft-com:office:office" xmlns:v="urn:schemas-microsoft-com:vml" xmlns:pvml="urn:schemas-microsoft-com:office:powerpoint" xmlns:com="http://schemas.openxmlformats.org/drawingml/2006/compatibility" xmlns:p14="http://schemas.microsoft.com/office/powerpoint/2010/main" xmlns:p15="http://schemas.microsoft.com/office/powerpoint/2012/main" xmlns:ahyp="http://schemas.microsoft.com/office/drawing/2018/hyperlinkcolor">
   <p:cSld>
     <p:spTree>
       <p:nvGrpSpPr>
@@ -11562,7 +11679,7 @@
 </file>
 
 <file path=ppt/slides/slide15.xml><?xml version="1.0" encoding="utf-8"?>
-<p:sld xmlns:a="http://schemas.openxmlformats.org/drawingml/2006/main" xmlns:r="http://schemas.openxmlformats.org/officeDocument/2006/relationships" xmlns:mc="http://schemas.openxmlformats.org/markup-compatibility/2006" xmlns:mv="urn:schemas-microsoft-com:mac:vml" xmlns:p="http://schemas.openxmlformats.org/presentationml/2006/main" xmlns:c="http://schemas.openxmlformats.org/drawingml/2006/chart" xmlns:dgm="http://schemas.openxmlformats.org/drawingml/2006/diagram" xmlns:o="urn:schemas-microsoft-com:office:office" xmlns:v="urn:schemas-microsoft-com:vml" xmlns:pvml="urn:schemas-microsoft-com:office:powerpoint" xmlns:com="http://schemas.openxmlformats.org/drawingml/2006/compatibility" xmlns:p14="http://schemas.microsoft.com/office/powerpoint/2010/main" xmlns:p15="http://schemas.microsoft.com/office/powerpoint/2012/main">
+<p:sld xmlns:a="http://schemas.openxmlformats.org/drawingml/2006/main" xmlns:r="http://schemas.openxmlformats.org/officeDocument/2006/relationships" xmlns:mc="http://schemas.openxmlformats.org/markup-compatibility/2006" xmlns:mv="urn:schemas-microsoft-com:mac:vml" xmlns:p="http://schemas.openxmlformats.org/presentationml/2006/main" xmlns:c="http://schemas.openxmlformats.org/drawingml/2006/chart" xmlns:dgm="http://schemas.openxmlformats.org/drawingml/2006/diagram" xmlns:o="urn:schemas-microsoft-com:office:office" xmlns:v="urn:schemas-microsoft-com:vml" xmlns:pvml="urn:schemas-microsoft-com:office:powerpoint" xmlns:com="http://schemas.openxmlformats.org/drawingml/2006/compatibility" xmlns:p14="http://schemas.microsoft.com/office/powerpoint/2010/main" xmlns:p15="http://schemas.microsoft.com/office/powerpoint/2012/main" xmlns:ahyp="http://schemas.microsoft.com/office/drawing/2018/hyperlinkcolor">
   <p:cSld>
     <p:spTree>
       <p:nvGrpSpPr>
@@ -11588,6 +11705,208 @@
         </p:nvSpPr>
         <p:spPr>
           <a:xfrm>
+            <a:off x="694750" y="234750"/>
+            <a:ext cx="4780200" cy="914100"/>
+          </a:xfrm>
+          <a:prstGeom prst="rect">
+            <a:avLst/>
+          </a:prstGeom>
+        </p:spPr>
+        <p:txBody>
+          <a:bodyPr anchorCtr="0" anchor="t" bIns="91425" lIns="91425" spcFirstLastPara="1" rIns="91425" wrap="square" tIns="91425">
+            <a:noAutofit/>
+          </a:bodyPr>
+          <a:lstStyle/>
+          <a:p>
+            <a:pPr indent="0" lvl="0" marL="0" rtl="0" algn="l">
+              <a:spcBef>
+                <a:spcPts val="0"/>
+              </a:spcBef>
+              <a:spcAft>
+                <a:spcPts val="0"/>
+              </a:spcAft>
+              <a:buNone/>
+            </a:pPr>
+            <a:r>
+              <a:rPr lang="en"/>
+              <a:t>Running for multiple cities</a:t>
+            </a:r>
+            <a:endParaRPr/>
+          </a:p>
+        </p:txBody>
+      </p:sp>
+      <p:sp>
+        <p:nvSpPr>
+          <p:cNvPr id="216" name="Google Shape;216;p27"/>
+          <p:cNvSpPr txBox="1"/>
+          <p:nvPr/>
+        </p:nvSpPr>
+        <p:spPr>
+          <a:xfrm>
+            <a:off x="5879225" y="4710850"/>
+            <a:ext cx="3096600" cy="651300"/>
+          </a:xfrm>
+          <a:prstGeom prst="rect">
+            <a:avLst/>
+          </a:prstGeom>
+          <a:noFill/>
+          <a:ln>
+            <a:noFill/>
+          </a:ln>
+        </p:spPr>
+        <p:txBody>
+          <a:bodyPr anchorCtr="0" anchor="t" bIns="91425" lIns="91425" spcFirstLastPara="1" rIns="91425" wrap="square" tIns="91425">
+            <a:noAutofit/>
+          </a:bodyPr>
+          <a:lstStyle/>
+          <a:p>
+            <a:pPr indent="0" lvl="0" marL="0" rtl="0" algn="l">
+              <a:spcBef>
+                <a:spcPts val="0"/>
+              </a:spcBef>
+              <a:spcAft>
+                <a:spcPts val="0"/>
+              </a:spcAft>
+              <a:buNone/>
+            </a:pPr>
+            <a:r>
+              <a:rPr lang="en">
+                <a:solidFill>
+                  <a:schemeClr val="lt1"/>
+                </a:solidFill>
+                <a:latin typeface="Lato"/>
+                <a:ea typeface="Lato"/>
+                <a:cs typeface="Lato"/>
+                <a:sym typeface="Lato"/>
+              </a:rPr>
+              <a:t>Psyc</a:t>
+            </a:r>
+            <a:r>
+              <a:rPr lang="en">
+                <a:solidFill>
+                  <a:schemeClr val="lt1"/>
+                </a:solidFill>
+                <a:latin typeface="Lato"/>
+                <a:ea typeface="Lato"/>
+                <a:cs typeface="Lato"/>
+                <a:sym typeface="Lato"/>
+              </a:rPr>
+              <a:t>h</a:t>
+            </a:r>
+            <a:r>
+              <a:rPr lang="en">
+                <a:solidFill>
+                  <a:schemeClr val="lt1"/>
+                </a:solidFill>
+                <a:latin typeface="Lato"/>
+                <a:ea typeface="Lato"/>
+                <a:cs typeface="Lato"/>
+                <a:sym typeface="Lato"/>
+              </a:rPr>
+              <a:t>ologist suggested to these</a:t>
+            </a:r>
+            <a:endParaRPr>
+              <a:solidFill>
+                <a:schemeClr val="lt1"/>
+              </a:solidFill>
+              <a:latin typeface="Lato"/>
+              <a:ea typeface="Lato"/>
+              <a:cs typeface="Lato"/>
+              <a:sym typeface="Lato"/>
+            </a:endParaRPr>
+          </a:p>
+        </p:txBody>
+      </p:sp>
+      <p:pic>
+        <p:nvPicPr>
+          <p:cNvPr id="217" name="Google Shape;217;p27"/>
+          <p:cNvPicPr preferRelativeResize="0"/>
+          <p:nvPr/>
+        </p:nvPicPr>
+        <p:blipFill>
+          <a:blip r:embed="rId3">
+            <a:alphaModFix/>
+          </a:blip>
+          <a:stretch>
+            <a:fillRect/>
+          </a:stretch>
+        </p:blipFill>
+        <p:spPr>
+          <a:xfrm>
+            <a:off x="112225" y="988125"/>
+            <a:ext cx="4319126" cy="3646537"/>
+          </a:xfrm>
+          <a:prstGeom prst="rect">
+            <a:avLst/>
+          </a:prstGeom>
+          <a:noFill/>
+          <a:ln>
+            <a:noFill/>
+          </a:ln>
+        </p:spPr>
+      </p:pic>
+      <p:pic>
+        <p:nvPicPr>
+          <p:cNvPr id="218" name="Google Shape;218;p27"/>
+          <p:cNvPicPr preferRelativeResize="0"/>
+          <p:nvPr/>
+        </p:nvPicPr>
+        <p:blipFill rotWithShape="1">
+          <a:blip r:embed="rId4">
+            <a:alphaModFix/>
+          </a:blip>
+          <a:srcRect b="0" l="0" r="16058" t="0"/>
+          <a:stretch/>
+        </p:blipFill>
+        <p:spPr>
+          <a:xfrm>
+            <a:off x="5193350" y="165150"/>
+            <a:ext cx="3590026" cy="4459251"/>
+          </a:xfrm>
+          <a:prstGeom prst="rect">
+            <a:avLst/>
+          </a:prstGeom>
+          <a:noFill/>
+          <a:ln>
+            <a:noFill/>
+          </a:ln>
+        </p:spPr>
+      </p:pic>
+    </p:spTree>
+  </p:cSld>
+  <p:clrMapOvr>
+    <a:masterClrMapping/>
+  </p:clrMapOvr>
+</p:sld>
+</file>
+
+<file path=ppt/slides/slide16.xml><?xml version="1.0" encoding="utf-8"?>
+<p:sld xmlns:a="http://schemas.openxmlformats.org/drawingml/2006/main" xmlns:r="http://schemas.openxmlformats.org/officeDocument/2006/relationships" xmlns:mc="http://schemas.openxmlformats.org/markup-compatibility/2006" xmlns:mv="urn:schemas-microsoft-com:mac:vml" xmlns:p="http://schemas.openxmlformats.org/presentationml/2006/main" xmlns:c="http://schemas.openxmlformats.org/drawingml/2006/chart" xmlns:dgm="http://schemas.openxmlformats.org/drawingml/2006/diagram" xmlns:o="urn:schemas-microsoft-com:office:office" xmlns:v="urn:schemas-microsoft-com:vml" xmlns:pvml="urn:schemas-microsoft-com:office:powerpoint" xmlns:com="http://schemas.openxmlformats.org/drawingml/2006/compatibility" xmlns:p14="http://schemas.microsoft.com/office/powerpoint/2010/main" xmlns:p15="http://schemas.microsoft.com/office/powerpoint/2012/main" xmlns:ahyp="http://schemas.microsoft.com/office/drawing/2018/hyperlinkcolor">
+  <p:cSld>
+    <p:spTree>
+      <p:nvGrpSpPr>
+        <p:cNvPr id="222" name="Shape 222"/>
+        <p:cNvGrpSpPr/>
+        <p:nvPr/>
+      </p:nvGrpSpPr>
+      <p:grpSpPr>
+        <a:xfrm>
+          <a:off x="0" y="0"/>
+          <a:ext cx="0" cy="0"/>
+          <a:chOff x="0" y="0"/>
+          <a:chExt cx="0" cy="0"/>
+        </a:xfrm>
+      </p:grpSpPr>
+      <p:sp>
+        <p:nvSpPr>
+          <p:cNvPr id="223" name="Google Shape;223;p28"/>
+          <p:cNvSpPr txBox="1"/>
+          <p:nvPr>
+            <p:ph type="title"/>
+          </p:nvPr>
+        </p:nvSpPr>
+        <p:spPr>
+          <a:xfrm>
             <a:off x="1297500" y="393750"/>
             <a:ext cx="7038900" cy="914100"/>
           </a:xfrm>
@@ -11620,7 +11939,7 @@
       </p:sp>
       <p:pic>
         <p:nvPicPr>
-          <p:cNvPr id="216" name="Google Shape;216;p27"/>
+          <p:cNvPr id="224" name="Google Shape;224;p28"/>
           <p:cNvPicPr preferRelativeResize="0"/>
           <p:nvPr/>
         </p:nvPicPr>
@@ -11654,12 +11973,12 @@
 </p:sld>
 </file>
 
-<file path=ppt/slides/slide16.xml><?xml version="1.0" encoding="utf-8"?>
-<p:sld xmlns:a="http://schemas.openxmlformats.org/drawingml/2006/main" xmlns:r="http://schemas.openxmlformats.org/officeDocument/2006/relationships" xmlns:mc="http://schemas.openxmlformats.org/markup-compatibility/2006" xmlns:mv="urn:schemas-microsoft-com:mac:vml" xmlns:p="http://schemas.openxmlformats.org/presentationml/2006/main" xmlns:c="http://schemas.openxmlformats.org/drawingml/2006/chart" xmlns:dgm="http://schemas.openxmlformats.org/drawingml/2006/diagram" xmlns:o="urn:schemas-microsoft-com:office:office" xmlns:v="urn:schemas-microsoft-com:vml" xmlns:pvml="urn:schemas-microsoft-com:office:powerpoint" xmlns:com="http://schemas.openxmlformats.org/drawingml/2006/compatibility" xmlns:p14="http://schemas.microsoft.com/office/powerpoint/2010/main" xmlns:p15="http://schemas.microsoft.com/office/powerpoint/2012/main">
+<file path=ppt/slides/slide17.xml><?xml version="1.0" encoding="utf-8"?>
+<p:sld xmlns:a="http://schemas.openxmlformats.org/drawingml/2006/main" xmlns:r="http://schemas.openxmlformats.org/officeDocument/2006/relationships" xmlns:mc="http://schemas.openxmlformats.org/markup-compatibility/2006" xmlns:mv="urn:schemas-microsoft-com:mac:vml" xmlns:p="http://schemas.openxmlformats.org/presentationml/2006/main" xmlns:c="http://schemas.openxmlformats.org/drawingml/2006/chart" xmlns:dgm="http://schemas.openxmlformats.org/drawingml/2006/diagram" xmlns:o="urn:schemas-microsoft-com:office:office" xmlns:v="urn:schemas-microsoft-com:vml" xmlns:pvml="urn:schemas-microsoft-com:office:powerpoint" xmlns:com="http://schemas.openxmlformats.org/drawingml/2006/compatibility" xmlns:p14="http://schemas.microsoft.com/office/powerpoint/2010/main" xmlns:p15="http://schemas.microsoft.com/office/powerpoint/2012/main" xmlns:ahyp="http://schemas.microsoft.com/office/drawing/2018/hyperlinkcolor">
   <p:cSld>
     <p:spTree>
       <p:nvGrpSpPr>
-        <p:cNvPr id="220" name="Shape 220"/>
+        <p:cNvPr id="228" name="Shape 228"/>
         <p:cNvGrpSpPr/>
         <p:nvPr/>
       </p:nvGrpSpPr>
@@ -11673,7 +11992,7 @@
       </p:grpSpPr>
       <p:sp>
         <p:nvSpPr>
-          <p:cNvPr id="221" name="Google Shape;221;p28"/>
+          <p:cNvPr id="229" name="Google Shape;229;p29"/>
           <p:cNvSpPr txBox="1"/>
           <p:nvPr>
             <p:ph type="title"/>
@@ -11713,7 +12032,7 @@
       </p:sp>
       <p:sp>
         <p:nvSpPr>
-          <p:cNvPr id="222" name="Google Shape;222;p28"/>
+          <p:cNvPr id="230" name="Google Shape;230;p29"/>
           <p:cNvSpPr txBox="1"/>
           <p:nvPr>
             <p:ph idx="1" type="body"/>
@@ -11877,12 +12196,12 @@
 </p:sld>
 </file>
 
-<file path=ppt/slides/slide17.xml><?xml version="1.0" encoding="utf-8"?>
-<p:sld xmlns:a="http://schemas.openxmlformats.org/drawingml/2006/main" xmlns:r="http://schemas.openxmlformats.org/officeDocument/2006/relationships" xmlns:mc="http://schemas.openxmlformats.org/markup-compatibility/2006" xmlns:mv="urn:schemas-microsoft-com:mac:vml" xmlns:p="http://schemas.openxmlformats.org/presentationml/2006/main" xmlns:c="http://schemas.openxmlformats.org/drawingml/2006/chart" xmlns:dgm="http://schemas.openxmlformats.org/drawingml/2006/diagram" xmlns:o="urn:schemas-microsoft-com:office:office" xmlns:v="urn:schemas-microsoft-com:vml" xmlns:pvml="urn:schemas-microsoft-com:office:powerpoint" xmlns:com="http://schemas.openxmlformats.org/drawingml/2006/compatibility" xmlns:p14="http://schemas.microsoft.com/office/powerpoint/2010/main" xmlns:p15="http://schemas.microsoft.com/office/powerpoint/2012/main">
+<file path=ppt/slides/slide18.xml><?xml version="1.0" encoding="utf-8"?>
+<p:sld xmlns:a="http://schemas.openxmlformats.org/drawingml/2006/main" xmlns:r="http://schemas.openxmlformats.org/officeDocument/2006/relationships" xmlns:mc="http://schemas.openxmlformats.org/markup-compatibility/2006" xmlns:mv="urn:schemas-microsoft-com:mac:vml" xmlns:p="http://schemas.openxmlformats.org/presentationml/2006/main" xmlns:c="http://schemas.openxmlformats.org/drawingml/2006/chart" xmlns:dgm="http://schemas.openxmlformats.org/drawingml/2006/diagram" xmlns:o="urn:schemas-microsoft-com:office:office" xmlns:v="urn:schemas-microsoft-com:vml" xmlns:pvml="urn:schemas-microsoft-com:office:powerpoint" xmlns:com="http://schemas.openxmlformats.org/drawingml/2006/compatibility" xmlns:p14="http://schemas.microsoft.com/office/powerpoint/2010/main" xmlns:p15="http://schemas.microsoft.com/office/powerpoint/2012/main" xmlns:ahyp="http://schemas.microsoft.com/office/drawing/2018/hyperlinkcolor">
   <p:cSld>
     <p:spTree>
       <p:nvGrpSpPr>
-        <p:cNvPr id="226" name="Shape 226"/>
+        <p:cNvPr id="234" name="Shape 234"/>
         <p:cNvGrpSpPr/>
         <p:nvPr/>
       </p:nvGrpSpPr>
@@ -11896,7 +12215,7 @@
       </p:grpSpPr>
       <p:sp>
         <p:nvSpPr>
-          <p:cNvPr id="227" name="Google Shape;227;p29"/>
+          <p:cNvPr id="235" name="Google Shape;235;p30"/>
           <p:cNvSpPr txBox="1"/>
           <p:nvPr>
             <p:ph type="title"/>
@@ -11936,7 +12255,7 @@
       </p:sp>
       <p:sp>
         <p:nvSpPr>
-          <p:cNvPr id="228" name="Google Shape;228;p29"/>
+          <p:cNvPr id="236" name="Google Shape;236;p30"/>
           <p:cNvSpPr txBox="1"/>
           <p:nvPr>
             <p:ph idx="1" type="body"/>
@@ -12134,12 +12453,12 @@
 </p:sld>
 </file>
 
-<file path=ppt/slides/slide18.xml><?xml version="1.0" encoding="utf-8"?>
-<p:sld xmlns:a="http://schemas.openxmlformats.org/drawingml/2006/main" xmlns:r="http://schemas.openxmlformats.org/officeDocument/2006/relationships" xmlns:mc="http://schemas.openxmlformats.org/markup-compatibility/2006" xmlns:mv="urn:schemas-microsoft-com:mac:vml" xmlns:p="http://schemas.openxmlformats.org/presentationml/2006/main" xmlns:c="http://schemas.openxmlformats.org/drawingml/2006/chart" xmlns:dgm="http://schemas.openxmlformats.org/drawingml/2006/diagram" xmlns:o="urn:schemas-microsoft-com:office:office" xmlns:v="urn:schemas-microsoft-com:vml" xmlns:pvml="urn:schemas-microsoft-com:office:powerpoint" xmlns:com="http://schemas.openxmlformats.org/drawingml/2006/compatibility" xmlns:p14="http://schemas.microsoft.com/office/powerpoint/2010/main" xmlns:p15="http://schemas.microsoft.com/office/powerpoint/2012/main">
+<file path=ppt/slides/slide19.xml><?xml version="1.0" encoding="utf-8"?>
+<p:sld xmlns:a="http://schemas.openxmlformats.org/drawingml/2006/main" xmlns:r="http://schemas.openxmlformats.org/officeDocument/2006/relationships" xmlns:mc="http://schemas.openxmlformats.org/markup-compatibility/2006" xmlns:mv="urn:schemas-microsoft-com:mac:vml" xmlns:p="http://schemas.openxmlformats.org/presentationml/2006/main" xmlns:c="http://schemas.openxmlformats.org/drawingml/2006/chart" xmlns:dgm="http://schemas.openxmlformats.org/drawingml/2006/diagram" xmlns:o="urn:schemas-microsoft-com:office:office" xmlns:v="urn:schemas-microsoft-com:vml" xmlns:pvml="urn:schemas-microsoft-com:office:powerpoint" xmlns:com="http://schemas.openxmlformats.org/drawingml/2006/compatibility" xmlns:p14="http://schemas.microsoft.com/office/powerpoint/2010/main" xmlns:p15="http://schemas.microsoft.com/office/powerpoint/2012/main" xmlns:ahyp="http://schemas.microsoft.com/office/drawing/2018/hyperlinkcolor">
   <p:cSld>
     <p:spTree>
       <p:nvGrpSpPr>
-        <p:cNvPr id="232" name="Shape 232"/>
+        <p:cNvPr id="240" name="Shape 240"/>
         <p:cNvGrpSpPr/>
         <p:nvPr/>
       </p:nvGrpSpPr>
@@ -12153,7 +12472,7 @@
       </p:grpSpPr>
       <p:sp>
         <p:nvSpPr>
-          <p:cNvPr id="233" name="Google Shape;233;p30"/>
+          <p:cNvPr id="241" name="Google Shape;241;p31"/>
           <p:cNvSpPr txBox="1"/>
           <p:nvPr>
             <p:ph type="title"/>
@@ -12193,7 +12512,7 @@
       </p:sp>
       <p:sp>
         <p:nvSpPr>
-          <p:cNvPr id="234" name="Google Shape;234;p30"/>
+          <p:cNvPr id="242" name="Google Shape;242;p31"/>
           <p:cNvSpPr txBox="1"/>
           <p:nvPr>
             <p:ph idx="1" type="body"/>
@@ -12287,12 +12606,12 @@
 </p:sld>
 </file>
 
-<file path=ppt/slides/slide19.xml><?xml version="1.0" encoding="utf-8"?>
-<p:sld xmlns:a="http://schemas.openxmlformats.org/drawingml/2006/main" xmlns:r="http://schemas.openxmlformats.org/officeDocument/2006/relationships" xmlns:mc="http://schemas.openxmlformats.org/markup-compatibility/2006" xmlns:mv="urn:schemas-microsoft-com:mac:vml" xmlns:p="http://schemas.openxmlformats.org/presentationml/2006/main" xmlns:c="http://schemas.openxmlformats.org/drawingml/2006/chart" xmlns:dgm="http://schemas.openxmlformats.org/drawingml/2006/diagram" xmlns:o="urn:schemas-microsoft-com:office:office" xmlns:v="urn:schemas-microsoft-com:vml" xmlns:pvml="urn:schemas-microsoft-com:office:powerpoint" xmlns:com="http://schemas.openxmlformats.org/drawingml/2006/compatibility" xmlns:p14="http://schemas.microsoft.com/office/powerpoint/2010/main" xmlns:p15="http://schemas.microsoft.com/office/powerpoint/2012/main">
+<file path=ppt/slides/slide2.xml><?xml version="1.0" encoding="utf-8"?>
+<p:sld xmlns:a="http://schemas.openxmlformats.org/drawingml/2006/main" xmlns:r="http://schemas.openxmlformats.org/officeDocument/2006/relationships" xmlns:mc="http://schemas.openxmlformats.org/markup-compatibility/2006" xmlns:mv="urn:schemas-microsoft-com:mac:vml" xmlns:p="http://schemas.openxmlformats.org/presentationml/2006/main" xmlns:c="http://schemas.openxmlformats.org/drawingml/2006/chart" xmlns:dgm="http://schemas.openxmlformats.org/drawingml/2006/diagram" xmlns:o="urn:schemas-microsoft-com:office:office" xmlns:v="urn:schemas-microsoft-com:vml" xmlns:pvml="urn:schemas-microsoft-com:office:powerpoint" xmlns:com="http://schemas.openxmlformats.org/drawingml/2006/compatibility" xmlns:p14="http://schemas.microsoft.com/office/powerpoint/2010/main" xmlns:p15="http://schemas.microsoft.com/office/powerpoint/2012/main" xmlns:ahyp="http://schemas.microsoft.com/office/drawing/2018/hyperlinkcolor">
   <p:cSld>
     <p:spTree>
       <p:nvGrpSpPr>
-        <p:cNvPr id="238" name="Shape 238"/>
+        <p:cNvPr id="139" name="Shape 139"/>
         <p:cNvGrpSpPr/>
         <p:nvPr/>
       </p:nvGrpSpPr>
@@ -12306,7 +12625,127 @@
       </p:grpSpPr>
       <p:sp>
         <p:nvSpPr>
-          <p:cNvPr id="239" name="Google Shape;239;p31"/>
+          <p:cNvPr id="140" name="Google Shape;140;p14"/>
+          <p:cNvSpPr txBox="1"/>
+          <p:nvPr>
+            <p:ph type="title"/>
+          </p:nvPr>
+        </p:nvSpPr>
+        <p:spPr>
+          <a:xfrm>
+            <a:off x="886025" y="253825"/>
+            <a:ext cx="4861500" cy="1176300"/>
+          </a:xfrm>
+          <a:prstGeom prst="rect">
+            <a:avLst/>
+          </a:prstGeom>
+        </p:spPr>
+        <p:txBody>
+          <a:bodyPr anchorCtr="0" anchor="ctr" bIns="91425" lIns="91425" spcFirstLastPara="1" rIns="91425" wrap="square" tIns="91425">
+            <a:noAutofit/>
+          </a:bodyPr>
+          <a:lstStyle/>
+          <a:p>
+            <a:pPr indent="0" lvl="0" marL="0" rtl="0" algn="l">
+              <a:spcBef>
+                <a:spcPts val="0"/>
+              </a:spcBef>
+              <a:spcAft>
+                <a:spcPts val="0"/>
+              </a:spcAft>
+              <a:buNone/>
+            </a:pPr>
+            <a:r>
+              <a:rPr lang="en"/>
+              <a:t>Problem Statement</a:t>
+            </a:r>
+            <a:endParaRPr/>
+          </a:p>
+        </p:txBody>
+      </p:sp>
+      <p:sp>
+        <p:nvSpPr>
+          <p:cNvPr id="141" name="Google Shape;141;p14"/>
+          <p:cNvSpPr txBox="1"/>
+          <p:nvPr/>
+        </p:nvSpPr>
+        <p:spPr>
+          <a:xfrm>
+            <a:off x="870575" y="1838875"/>
+            <a:ext cx="3651000" cy="1980900"/>
+          </a:xfrm>
+          <a:prstGeom prst="rect">
+            <a:avLst/>
+          </a:prstGeom>
+          <a:noFill/>
+          <a:ln>
+            <a:noFill/>
+          </a:ln>
+        </p:spPr>
+        <p:txBody>
+          <a:bodyPr anchorCtr="0" anchor="t" bIns="91425" lIns="91425" spcFirstLastPara="1" rIns="91425" wrap="square" tIns="91425">
+            <a:noAutofit/>
+          </a:bodyPr>
+          <a:lstStyle/>
+          <a:p>
+            <a:pPr indent="0" lvl="0" marL="0" rtl="0" algn="l">
+              <a:spcBef>
+                <a:spcPts val="0"/>
+              </a:spcBef>
+              <a:spcAft>
+                <a:spcPts val="0"/>
+              </a:spcAft>
+              <a:buNone/>
+            </a:pPr>
+            <a:r>
+              <a:rPr lang="en" sz="1800">
+                <a:solidFill>
+                  <a:schemeClr val="lt1"/>
+                </a:solidFill>
+                <a:latin typeface="Montserrat"/>
+                <a:ea typeface="Montserrat"/>
+                <a:cs typeface="Montserrat"/>
+                <a:sym typeface="Montserrat"/>
+              </a:rPr>
+              <a:t>Design an application identifying the need of psychologist for counselling in an area by finding sentiments of the population location wise</a:t>
+            </a:r>
+            <a:endParaRPr sz="1800">
+              <a:latin typeface="Lato"/>
+              <a:ea typeface="Lato"/>
+              <a:cs typeface="Lato"/>
+              <a:sym typeface="Lato"/>
+            </a:endParaRPr>
+          </a:p>
+        </p:txBody>
+      </p:sp>
+    </p:spTree>
+  </p:cSld>
+  <p:clrMapOvr>
+    <a:masterClrMapping/>
+  </p:clrMapOvr>
+</p:sld>
+</file>
+
+<file path=ppt/slides/slide20.xml><?xml version="1.0" encoding="utf-8"?>
+<p:sld xmlns:a="http://schemas.openxmlformats.org/drawingml/2006/main" xmlns:r="http://schemas.openxmlformats.org/officeDocument/2006/relationships" xmlns:mc="http://schemas.openxmlformats.org/markup-compatibility/2006" xmlns:mv="urn:schemas-microsoft-com:mac:vml" xmlns:p="http://schemas.openxmlformats.org/presentationml/2006/main" xmlns:c="http://schemas.openxmlformats.org/drawingml/2006/chart" xmlns:dgm="http://schemas.openxmlformats.org/drawingml/2006/diagram" xmlns:o="urn:schemas-microsoft-com:office:office" xmlns:v="urn:schemas-microsoft-com:vml" xmlns:pvml="urn:schemas-microsoft-com:office:powerpoint" xmlns:com="http://schemas.openxmlformats.org/drawingml/2006/compatibility" xmlns:p14="http://schemas.microsoft.com/office/powerpoint/2010/main" xmlns:p15="http://schemas.microsoft.com/office/powerpoint/2012/main" xmlns:ahyp="http://schemas.microsoft.com/office/drawing/2018/hyperlinkcolor">
+  <p:cSld>
+    <p:spTree>
+      <p:nvGrpSpPr>
+        <p:cNvPr id="246" name="Shape 246"/>
+        <p:cNvGrpSpPr/>
+        <p:nvPr/>
+      </p:nvGrpSpPr>
+      <p:grpSpPr>
+        <a:xfrm>
+          <a:off x="0" y="0"/>
+          <a:ext cx="0" cy="0"/>
+          <a:chOff x="0" y="0"/>
+          <a:chExt cx="0" cy="0"/>
+        </a:xfrm>
+      </p:grpSpPr>
+      <p:sp>
+        <p:nvSpPr>
+          <p:cNvPr id="247" name="Google Shape;247;p32"/>
           <p:cNvSpPr txBox="1"/>
           <p:nvPr>
             <p:ph type="title"/>
@@ -12346,7 +12785,7 @@
       </p:sp>
       <p:sp>
         <p:nvSpPr>
-          <p:cNvPr id="240" name="Google Shape;240;p31"/>
+          <p:cNvPr id="248" name="Google Shape;248;p32"/>
           <p:cNvSpPr txBox="1"/>
           <p:nvPr>
             <p:ph idx="1" type="body"/>
@@ -12541,128 +12980,8 @@
 </p:sld>
 </file>
 
-<file path=ppt/slides/slide2.xml><?xml version="1.0" encoding="utf-8"?>
-<p:sld xmlns:a="http://schemas.openxmlformats.org/drawingml/2006/main" xmlns:r="http://schemas.openxmlformats.org/officeDocument/2006/relationships" xmlns:mc="http://schemas.openxmlformats.org/markup-compatibility/2006" xmlns:mv="urn:schemas-microsoft-com:mac:vml" xmlns:p="http://schemas.openxmlformats.org/presentationml/2006/main" xmlns:c="http://schemas.openxmlformats.org/drawingml/2006/chart" xmlns:dgm="http://schemas.openxmlformats.org/drawingml/2006/diagram" xmlns:o="urn:schemas-microsoft-com:office:office" xmlns:v="urn:schemas-microsoft-com:vml" xmlns:pvml="urn:schemas-microsoft-com:office:powerpoint" xmlns:com="http://schemas.openxmlformats.org/drawingml/2006/compatibility" xmlns:p14="http://schemas.microsoft.com/office/powerpoint/2010/main" xmlns:p15="http://schemas.microsoft.com/office/powerpoint/2012/main">
-  <p:cSld>
-    <p:spTree>
-      <p:nvGrpSpPr>
-        <p:cNvPr id="139" name="Shape 139"/>
-        <p:cNvGrpSpPr/>
-        <p:nvPr/>
-      </p:nvGrpSpPr>
-      <p:grpSpPr>
-        <a:xfrm>
-          <a:off x="0" y="0"/>
-          <a:ext cx="0" cy="0"/>
-          <a:chOff x="0" y="0"/>
-          <a:chExt cx="0" cy="0"/>
-        </a:xfrm>
-      </p:grpSpPr>
-      <p:sp>
-        <p:nvSpPr>
-          <p:cNvPr id="140" name="Google Shape;140;p14"/>
-          <p:cNvSpPr txBox="1"/>
-          <p:nvPr>
-            <p:ph type="title"/>
-          </p:nvPr>
-        </p:nvSpPr>
-        <p:spPr>
-          <a:xfrm>
-            <a:off x="886025" y="253825"/>
-            <a:ext cx="4861500" cy="1176300"/>
-          </a:xfrm>
-          <a:prstGeom prst="rect">
-            <a:avLst/>
-          </a:prstGeom>
-        </p:spPr>
-        <p:txBody>
-          <a:bodyPr anchorCtr="0" anchor="ctr" bIns="91425" lIns="91425" spcFirstLastPara="1" rIns="91425" wrap="square" tIns="91425">
-            <a:noAutofit/>
-          </a:bodyPr>
-          <a:lstStyle/>
-          <a:p>
-            <a:pPr indent="0" lvl="0" marL="0" rtl="0" algn="l">
-              <a:spcBef>
-                <a:spcPts val="0"/>
-              </a:spcBef>
-              <a:spcAft>
-                <a:spcPts val="0"/>
-              </a:spcAft>
-              <a:buNone/>
-            </a:pPr>
-            <a:r>
-              <a:rPr lang="en"/>
-              <a:t>Problem Statement</a:t>
-            </a:r>
-            <a:endParaRPr/>
-          </a:p>
-        </p:txBody>
-      </p:sp>
-      <p:sp>
-        <p:nvSpPr>
-          <p:cNvPr id="141" name="Google Shape;141;p14"/>
-          <p:cNvSpPr txBox="1"/>
-          <p:nvPr/>
-        </p:nvSpPr>
-        <p:spPr>
-          <a:xfrm>
-            <a:off x="870575" y="1838875"/>
-            <a:ext cx="3651000" cy="1980900"/>
-          </a:xfrm>
-          <a:prstGeom prst="rect">
-            <a:avLst/>
-          </a:prstGeom>
-          <a:noFill/>
-          <a:ln>
-            <a:noFill/>
-          </a:ln>
-        </p:spPr>
-        <p:txBody>
-          <a:bodyPr anchorCtr="0" anchor="t" bIns="91425" lIns="91425" spcFirstLastPara="1" rIns="91425" wrap="square" tIns="91425">
-            <a:noAutofit/>
-          </a:bodyPr>
-          <a:lstStyle/>
-          <a:p>
-            <a:pPr indent="0" lvl="0" marL="0" rtl="0" algn="l">
-              <a:spcBef>
-                <a:spcPts val="0"/>
-              </a:spcBef>
-              <a:spcAft>
-                <a:spcPts val="0"/>
-              </a:spcAft>
-              <a:buNone/>
-            </a:pPr>
-            <a:r>
-              <a:rPr lang="en" sz="1800">
-                <a:solidFill>
-                  <a:schemeClr val="lt1"/>
-                </a:solidFill>
-                <a:latin typeface="Montserrat"/>
-                <a:ea typeface="Montserrat"/>
-                <a:cs typeface="Montserrat"/>
-                <a:sym typeface="Montserrat"/>
-              </a:rPr>
-              <a:t>Design an application identifying the need of psychologist for counselling in an area by finding sentiments of the population location wise</a:t>
-            </a:r>
-            <a:endParaRPr sz="1800">
-              <a:latin typeface="Lato"/>
-              <a:ea typeface="Lato"/>
-              <a:cs typeface="Lato"/>
-              <a:sym typeface="Lato"/>
-            </a:endParaRPr>
-          </a:p>
-        </p:txBody>
-      </p:sp>
-    </p:spTree>
-  </p:cSld>
-  <p:clrMapOvr>
-    <a:masterClrMapping/>
-  </p:clrMapOvr>
-</p:sld>
-</file>
-
 <file path=ppt/slides/slide3.xml><?xml version="1.0" encoding="utf-8"?>
-<p:sld xmlns:a="http://schemas.openxmlformats.org/drawingml/2006/main" xmlns:r="http://schemas.openxmlformats.org/officeDocument/2006/relationships" xmlns:mc="http://schemas.openxmlformats.org/markup-compatibility/2006" xmlns:mv="urn:schemas-microsoft-com:mac:vml" xmlns:p="http://schemas.openxmlformats.org/presentationml/2006/main" xmlns:c="http://schemas.openxmlformats.org/drawingml/2006/chart" xmlns:dgm="http://schemas.openxmlformats.org/drawingml/2006/diagram" xmlns:o="urn:schemas-microsoft-com:office:office" xmlns:v="urn:schemas-microsoft-com:vml" xmlns:pvml="urn:schemas-microsoft-com:office:powerpoint" xmlns:com="http://schemas.openxmlformats.org/drawingml/2006/compatibility" xmlns:p14="http://schemas.microsoft.com/office/powerpoint/2010/main" xmlns:p15="http://schemas.microsoft.com/office/powerpoint/2012/main">
+<p:sld xmlns:a="http://schemas.openxmlformats.org/drawingml/2006/main" xmlns:r="http://schemas.openxmlformats.org/officeDocument/2006/relationships" xmlns:mc="http://schemas.openxmlformats.org/markup-compatibility/2006" xmlns:mv="urn:schemas-microsoft-com:mac:vml" xmlns:p="http://schemas.openxmlformats.org/presentationml/2006/main" xmlns:c="http://schemas.openxmlformats.org/drawingml/2006/chart" xmlns:dgm="http://schemas.openxmlformats.org/drawingml/2006/diagram" xmlns:o="urn:schemas-microsoft-com:office:office" xmlns:v="urn:schemas-microsoft-com:vml" xmlns:pvml="urn:schemas-microsoft-com:office:powerpoint" xmlns:com="http://schemas.openxmlformats.org/drawingml/2006/compatibility" xmlns:p14="http://schemas.microsoft.com/office/powerpoint/2010/main" xmlns:p15="http://schemas.microsoft.com/office/powerpoint/2012/main" xmlns:ahyp="http://schemas.microsoft.com/office/drawing/2018/hyperlinkcolor">
   <p:cSld>
     <p:spTree>
       <p:nvGrpSpPr>
@@ -12802,7 +13121,7 @@
 </file>
 
 <file path=ppt/slides/slide4.xml><?xml version="1.0" encoding="utf-8"?>
-<p:sld xmlns:a="http://schemas.openxmlformats.org/drawingml/2006/main" xmlns:r="http://schemas.openxmlformats.org/officeDocument/2006/relationships" xmlns:mc="http://schemas.openxmlformats.org/markup-compatibility/2006" xmlns:mv="urn:schemas-microsoft-com:mac:vml" xmlns:p="http://schemas.openxmlformats.org/presentationml/2006/main" xmlns:c="http://schemas.openxmlformats.org/drawingml/2006/chart" xmlns:dgm="http://schemas.openxmlformats.org/drawingml/2006/diagram" xmlns:o="urn:schemas-microsoft-com:office:office" xmlns:v="urn:schemas-microsoft-com:vml" xmlns:pvml="urn:schemas-microsoft-com:office:powerpoint" xmlns:com="http://schemas.openxmlformats.org/drawingml/2006/compatibility" xmlns:p14="http://schemas.microsoft.com/office/powerpoint/2010/main" xmlns:p15="http://schemas.microsoft.com/office/powerpoint/2012/main">
+<p:sld xmlns:a="http://schemas.openxmlformats.org/drawingml/2006/main" xmlns:r="http://schemas.openxmlformats.org/officeDocument/2006/relationships" xmlns:mc="http://schemas.openxmlformats.org/markup-compatibility/2006" xmlns:mv="urn:schemas-microsoft-com:mac:vml" xmlns:p="http://schemas.openxmlformats.org/presentationml/2006/main" xmlns:c="http://schemas.openxmlformats.org/drawingml/2006/chart" xmlns:dgm="http://schemas.openxmlformats.org/drawingml/2006/diagram" xmlns:o="urn:schemas-microsoft-com:office:office" xmlns:v="urn:schemas-microsoft-com:vml" xmlns:pvml="urn:schemas-microsoft-com:office:powerpoint" xmlns:com="http://schemas.openxmlformats.org/drawingml/2006/compatibility" xmlns:p14="http://schemas.microsoft.com/office/powerpoint/2010/main" xmlns:p15="http://schemas.microsoft.com/office/powerpoint/2012/main" xmlns:ahyp="http://schemas.microsoft.com/office/drawing/2018/hyperlinkcolor">
   <p:cSld>
     <p:spTree>
       <p:nvGrpSpPr>
@@ -12974,7 +13293,7 @@
 </file>
 
 <file path=ppt/slides/slide5.xml><?xml version="1.0" encoding="utf-8"?>
-<p:sld xmlns:a="http://schemas.openxmlformats.org/drawingml/2006/main" xmlns:r="http://schemas.openxmlformats.org/officeDocument/2006/relationships" xmlns:mc="http://schemas.openxmlformats.org/markup-compatibility/2006" xmlns:mv="urn:schemas-microsoft-com:mac:vml" xmlns:p="http://schemas.openxmlformats.org/presentationml/2006/main" xmlns:c="http://schemas.openxmlformats.org/drawingml/2006/chart" xmlns:dgm="http://schemas.openxmlformats.org/drawingml/2006/diagram" xmlns:o="urn:schemas-microsoft-com:office:office" xmlns:v="urn:schemas-microsoft-com:vml" xmlns:pvml="urn:schemas-microsoft-com:office:powerpoint" xmlns:com="http://schemas.openxmlformats.org/drawingml/2006/compatibility" xmlns:p14="http://schemas.microsoft.com/office/powerpoint/2010/main" xmlns:p15="http://schemas.microsoft.com/office/powerpoint/2012/main">
+<p:sld xmlns:a="http://schemas.openxmlformats.org/drawingml/2006/main" xmlns:r="http://schemas.openxmlformats.org/officeDocument/2006/relationships" xmlns:mc="http://schemas.openxmlformats.org/markup-compatibility/2006" xmlns:mv="urn:schemas-microsoft-com:mac:vml" xmlns:p="http://schemas.openxmlformats.org/presentationml/2006/main" xmlns:c="http://schemas.openxmlformats.org/drawingml/2006/chart" xmlns:dgm="http://schemas.openxmlformats.org/drawingml/2006/diagram" xmlns:o="urn:schemas-microsoft-com:office:office" xmlns:v="urn:schemas-microsoft-com:vml" xmlns:pvml="urn:schemas-microsoft-com:office:powerpoint" xmlns:com="http://schemas.openxmlformats.org/drawingml/2006/compatibility" xmlns:p14="http://schemas.microsoft.com/office/powerpoint/2010/main" xmlns:p15="http://schemas.microsoft.com/office/powerpoint/2012/main" xmlns:ahyp="http://schemas.microsoft.com/office/drawing/2018/hyperlinkcolor">
   <p:cSld>
     <p:spTree>
       <p:nvGrpSpPr>
@@ -13182,7 +13501,7 @@
 </file>
 
 <file path=ppt/slides/slide6.xml><?xml version="1.0" encoding="utf-8"?>
-<p:sld xmlns:a="http://schemas.openxmlformats.org/drawingml/2006/main" xmlns:r="http://schemas.openxmlformats.org/officeDocument/2006/relationships" xmlns:mc="http://schemas.openxmlformats.org/markup-compatibility/2006" xmlns:mv="urn:schemas-microsoft-com:mac:vml" xmlns:p="http://schemas.openxmlformats.org/presentationml/2006/main" xmlns:c="http://schemas.openxmlformats.org/drawingml/2006/chart" xmlns:dgm="http://schemas.openxmlformats.org/drawingml/2006/diagram" xmlns:o="urn:schemas-microsoft-com:office:office" xmlns:v="urn:schemas-microsoft-com:vml" xmlns:pvml="urn:schemas-microsoft-com:office:powerpoint" xmlns:com="http://schemas.openxmlformats.org/drawingml/2006/compatibility" xmlns:p14="http://schemas.microsoft.com/office/powerpoint/2010/main" xmlns:p15="http://schemas.microsoft.com/office/powerpoint/2012/main">
+<p:sld xmlns:a="http://schemas.openxmlformats.org/drawingml/2006/main" xmlns:r="http://schemas.openxmlformats.org/officeDocument/2006/relationships" xmlns:mc="http://schemas.openxmlformats.org/markup-compatibility/2006" xmlns:mv="urn:schemas-microsoft-com:mac:vml" xmlns:p="http://schemas.openxmlformats.org/presentationml/2006/main" xmlns:c="http://schemas.openxmlformats.org/drawingml/2006/chart" xmlns:dgm="http://schemas.openxmlformats.org/drawingml/2006/diagram" xmlns:o="urn:schemas-microsoft-com:office:office" xmlns:v="urn:schemas-microsoft-com:vml" xmlns:pvml="urn:schemas-microsoft-com:office:powerpoint" xmlns:com="http://schemas.openxmlformats.org/drawingml/2006/compatibility" xmlns:p14="http://schemas.microsoft.com/office/powerpoint/2010/main" xmlns:p15="http://schemas.microsoft.com/office/powerpoint/2012/main" xmlns:ahyp="http://schemas.microsoft.com/office/drawing/2018/hyperlinkcolor">
   <p:cSld>
     <p:spTree>
       <p:nvGrpSpPr>
@@ -13247,7 +13566,7 @@
 </file>
 
 <file path=ppt/slides/slide7.xml><?xml version="1.0" encoding="utf-8"?>
-<p:sld xmlns:a="http://schemas.openxmlformats.org/drawingml/2006/main" xmlns:r="http://schemas.openxmlformats.org/officeDocument/2006/relationships" xmlns:mc="http://schemas.openxmlformats.org/markup-compatibility/2006" xmlns:mv="urn:schemas-microsoft-com:mac:vml" xmlns:p="http://schemas.openxmlformats.org/presentationml/2006/main" xmlns:c="http://schemas.openxmlformats.org/drawingml/2006/chart" xmlns:dgm="http://schemas.openxmlformats.org/drawingml/2006/diagram" xmlns:o="urn:schemas-microsoft-com:office:office" xmlns:v="urn:schemas-microsoft-com:vml" xmlns:pvml="urn:schemas-microsoft-com:office:powerpoint" xmlns:com="http://schemas.openxmlformats.org/drawingml/2006/compatibility" xmlns:p14="http://schemas.microsoft.com/office/powerpoint/2010/main" xmlns:p15="http://schemas.microsoft.com/office/powerpoint/2012/main">
+<p:sld xmlns:a="http://schemas.openxmlformats.org/drawingml/2006/main" xmlns:r="http://schemas.openxmlformats.org/officeDocument/2006/relationships" xmlns:mc="http://schemas.openxmlformats.org/markup-compatibility/2006" xmlns:mv="urn:schemas-microsoft-com:mac:vml" xmlns:p="http://schemas.openxmlformats.org/presentationml/2006/main" xmlns:c="http://schemas.openxmlformats.org/drawingml/2006/chart" xmlns:dgm="http://schemas.openxmlformats.org/drawingml/2006/diagram" xmlns:o="urn:schemas-microsoft-com:office:office" xmlns:v="urn:schemas-microsoft-com:vml" xmlns:pvml="urn:schemas-microsoft-com:office:powerpoint" xmlns:com="http://schemas.openxmlformats.org/drawingml/2006/compatibility" xmlns:p14="http://schemas.microsoft.com/office/powerpoint/2010/main" xmlns:p15="http://schemas.microsoft.com/office/powerpoint/2012/main" xmlns:ahyp="http://schemas.microsoft.com/office/drawing/2018/hyperlinkcolor">
   <p:cSld>
     <p:spTree>
       <p:nvGrpSpPr>
@@ -13412,7 +13731,7 @@
 </file>
 
 <file path=ppt/slides/slide8.xml><?xml version="1.0" encoding="utf-8"?>
-<p:sld xmlns:a="http://schemas.openxmlformats.org/drawingml/2006/main" xmlns:r="http://schemas.openxmlformats.org/officeDocument/2006/relationships" xmlns:mc="http://schemas.openxmlformats.org/markup-compatibility/2006" xmlns:mv="urn:schemas-microsoft-com:mac:vml" xmlns:p="http://schemas.openxmlformats.org/presentationml/2006/main" xmlns:c="http://schemas.openxmlformats.org/drawingml/2006/chart" xmlns:dgm="http://schemas.openxmlformats.org/drawingml/2006/diagram" xmlns:o="urn:schemas-microsoft-com:office:office" xmlns:v="urn:schemas-microsoft-com:vml" xmlns:pvml="urn:schemas-microsoft-com:office:powerpoint" xmlns:com="http://schemas.openxmlformats.org/drawingml/2006/compatibility" xmlns:p14="http://schemas.microsoft.com/office/powerpoint/2010/main" xmlns:p15="http://schemas.microsoft.com/office/powerpoint/2012/main">
+<p:sld xmlns:a="http://schemas.openxmlformats.org/drawingml/2006/main" xmlns:r="http://schemas.openxmlformats.org/officeDocument/2006/relationships" xmlns:mc="http://schemas.openxmlformats.org/markup-compatibility/2006" xmlns:mv="urn:schemas-microsoft-com:mac:vml" xmlns:p="http://schemas.openxmlformats.org/presentationml/2006/main" xmlns:c="http://schemas.openxmlformats.org/drawingml/2006/chart" xmlns:dgm="http://schemas.openxmlformats.org/drawingml/2006/diagram" xmlns:o="urn:schemas-microsoft-com:office:office" xmlns:v="urn:schemas-microsoft-com:vml" xmlns:pvml="urn:schemas-microsoft-com:office:powerpoint" xmlns:com="http://schemas.openxmlformats.org/drawingml/2006/compatibility" xmlns:p14="http://schemas.microsoft.com/office/powerpoint/2010/main" xmlns:p15="http://schemas.microsoft.com/office/powerpoint/2012/main" xmlns:ahyp="http://schemas.microsoft.com/office/drawing/2018/hyperlinkcolor">
   <p:cSld>
     <p:spTree>
       <p:nvGrpSpPr>
@@ -13477,7 +13796,7 @@
 </file>
 
 <file path=ppt/slides/slide9.xml><?xml version="1.0" encoding="utf-8"?>
-<p:sld xmlns:a="http://schemas.openxmlformats.org/drawingml/2006/main" xmlns:r="http://schemas.openxmlformats.org/officeDocument/2006/relationships" xmlns:mc="http://schemas.openxmlformats.org/markup-compatibility/2006" xmlns:mv="urn:schemas-microsoft-com:mac:vml" xmlns:p="http://schemas.openxmlformats.org/presentationml/2006/main" xmlns:c="http://schemas.openxmlformats.org/drawingml/2006/chart" xmlns:dgm="http://schemas.openxmlformats.org/drawingml/2006/diagram" xmlns:o="urn:schemas-microsoft-com:office:office" xmlns:v="urn:schemas-microsoft-com:vml" xmlns:pvml="urn:schemas-microsoft-com:office:powerpoint" xmlns:com="http://schemas.openxmlformats.org/drawingml/2006/compatibility" xmlns:p14="http://schemas.microsoft.com/office/powerpoint/2010/main" xmlns:p15="http://schemas.microsoft.com/office/powerpoint/2012/main">
+<p:sld xmlns:a="http://schemas.openxmlformats.org/drawingml/2006/main" xmlns:r="http://schemas.openxmlformats.org/officeDocument/2006/relationships" xmlns:mc="http://schemas.openxmlformats.org/markup-compatibility/2006" xmlns:mv="urn:schemas-microsoft-com:mac:vml" xmlns:p="http://schemas.openxmlformats.org/presentationml/2006/main" xmlns:c="http://schemas.openxmlformats.org/drawingml/2006/chart" xmlns:dgm="http://schemas.openxmlformats.org/drawingml/2006/diagram" xmlns:o="urn:schemas-microsoft-com:office:office" xmlns:v="urn:schemas-microsoft-com:vml" xmlns:pvml="urn:schemas-microsoft-com:office:powerpoint" xmlns:com="http://schemas.openxmlformats.org/drawingml/2006/compatibility" xmlns:p14="http://schemas.microsoft.com/office/powerpoint/2010/main" xmlns:p15="http://schemas.microsoft.com/office/powerpoint/2012/main" xmlns:ahyp="http://schemas.microsoft.com/office/drawing/2018/hyperlinkcolor">
   <p:cSld>
     <p:spTree>
       <p:nvGrpSpPr>
@@ -13570,6 +13889,285 @@
 </file>
 
 <file path=ppt/theme/theme1.xml><?xml version="1.0" encoding="utf-8"?>
+<a:theme xmlns:a="http://schemas.openxmlformats.org/drawingml/2006/main" xmlns:r="http://schemas.openxmlformats.org/officeDocument/2006/relationships">
+  <a:themeElements>
+    <a:clrScheme name="Default">
+      <a:dk1>
+        <a:srgbClr val="000000"/>
+      </a:dk1>
+      <a:lt1>
+        <a:srgbClr val="FFFFFF"/>
+      </a:lt1>
+      <a:dk2>
+        <a:srgbClr val="158158"/>
+      </a:dk2>
+      <a:lt2>
+        <a:srgbClr val="F3F3F3"/>
+      </a:lt2>
+      <a:accent1>
+        <a:srgbClr val="058DC7"/>
+      </a:accent1>
+      <a:accent2>
+        <a:srgbClr val="50B432"/>
+      </a:accent2>
+      <a:accent3>
+        <a:srgbClr val="ED561B"/>
+      </a:accent3>
+      <a:accent4>
+        <a:srgbClr val="EDEF00"/>
+      </a:accent4>
+      <a:accent5>
+        <a:srgbClr val="24CBE5"/>
+      </a:accent5>
+      <a:accent6>
+        <a:srgbClr val="64E572"/>
+      </a:accent6>
+      <a:hlink>
+        <a:srgbClr val="2200CC"/>
+      </a:hlink>
+      <a:folHlink>
+        <a:srgbClr val="551A8B"/>
+      </a:folHlink>
+    </a:clrScheme>
+    <a:fontScheme name="Office">
+      <a:majorFont>
+        <a:latin typeface="Arial"/>
+        <a:ea typeface=""/>
+        <a:cs typeface=""/>
+        <a:font script="Jpan" typeface="ＭＳ Ｐゴシック"/>
+        <a:font script="Hang" typeface="맑은 고딕"/>
+        <a:font script="Hans" typeface="宋体"/>
+        <a:font script="Hant" typeface="新細明體"/>
+        <a:font script="Arab" typeface="Times New Roman"/>
+        <a:font script="Hebr" typeface="Times New Roman"/>
+        <a:font script="Thai" typeface="Angsana New"/>
+        <a:font script="Ethi" typeface="Nyala"/>
+        <a:font script="Beng" typeface="Vrinda"/>
+        <a:font script="Gujr" typeface="Shruti"/>
+        <a:font script="Khmr" typeface="MoolBoran"/>
+        <a:font script="Knda" typeface="Tunga"/>
+        <a:font script="Guru" typeface="Raavi"/>
+        <a:font script="Cans" typeface="Euphemia"/>
+        <a:font script="Cher" typeface="Plantagenet Cherokee"/>
+        <a:font script="Yiii" typeface="Microsoft Yi Baiti"/>
+        <a:font script="Tibt" typeface="Microsoft Himalaya"/>
+        <a:font script="Thaa" typeface="MV Boli"/>
+        <a:font script="Deva" typeface="Mangal"/>
+        <a:font script="Telu" typeface="Gautami"/>
+        <a:font script="Taml" typeface="Latha"/>
+        <a:font script="Syrc" typeface="Estrangelo Edessa"/>
+        <a:font script="Orya" typeface="Kalinga"/>
+        <a:font script="Mlym" typeface="Kartika"/>
+        <a:font script="Laoo" typeface="DokChampa"/>
+        <a:font script="Sinh" typeface="Iskoola Pota"/>
+        <a:font script="Mong" typeface="Mongolian Baiti"/>
+        <a:font script="Viet" typeface="Times New Roman"/>
+        <a:font script="Uigh" typeface="Microsoft Uighur"/>
+        <a:font script="Geor" typeface="Sylfaen"/>
+      </a:majorFont>
+      <a:minorFont>
+        <a:latin typeface="Arial"/>
+        <a:ea typeface=""/>
+        <a:cs typeface=""/>
+        <a:font script="Jpan" typeface="ＭＳ Ｐゴシック"/>
+        <a:font script="Hang" typeface="맑은 고딕"/>
+        <a:font script="Hans" typeface="宋体"/>
+        <a:font script="Hant" typeface="新細明體"/>
+        <a:font script="Arab" typeface="Arial"/>
+        <a:font script="Hebr" typeface="Arial"/>
+        <a:font script="Thai" typeface="Cordia New"/>
+        <a:font script="Ethi" typeface="Nyala"/>
+        <a:font script="Beng" typeface="Vrinda"/>
+        <a:font script="Gujr" typeface="Shruti"/>
+        <a:font script="Khmr" typeface="DaunPenh"/>
+        <a:font script="Knda" typeface="Tunga"/>
+        <a:font script="Guru" typeface="Raavi"/>
+        <a:font script="Cans" typeface="Euphemia"/>
+        <a:font script="Cher" typeface="Plantagenet Cherokee"/>
+        <a:font script="Yiii" typeface="Microsoft Yi Baiti"/>
+        <a:font script="Tibt" typeface="Microsoft Himalaya"/>
+        <a:font script="Thaa" typeface="MV Boli"/>
+        <a:font script="Deva" typeface="Mangal"/>
+        <a:font script="Telu" typeface="Gautami"/>
+        <a:font script="Taml" typeface="Latha"/>
+        <a:font script="Syrc" typeface="Estrangelo Edessa"/>
+        <a:font script="Orya" typeface="Kalinga"/>
+        <a:font script="Mlym" typeface="Kartika"/>
+        <a:font script="Laoo" typeface="DokChampa"/>
+        <a:font script="Sinh" typeface="Iskoola Pota"/>
+        <a:font script="Mong" typeface="Mongolian Baiti"/>
+        <a:font script="Viet" typeface="Arial"/>
+        <a:font script="Uigh" typeface="Microsoft Uighur"/>
+        <a:font script="Geor" typeface="Sylfaen"/>
+      </a:minorFont>
+    </a:fontScheme>
+    <a:fmtScheme name="Office">
+      <a:fillStyleLst>
+        <a:solidFill>
+          <a:schemeClr val="phClr"/>
+        </a:solidFill>
+        <a:gradFill rotWithShape="1">
+          <a:gsLst>
+            <a:gs pos="0">
+              <a:schemeClr val="phClr">
+                <a:tint val="50000"/>
+                <a:satMod val="300000"/>
+              </a:schemeClr>
+            </a:gs>
+            <a:gs pos="35000">
+              <a:schemeClr val="phClr">
+                <a:tint val="37000"/>
+                <a:satMod val="300000"/>
+              </a:schemeClr>
+            </a:gs>
+            <a:gs pos="100000">
+              <a:schemeClr val="phClr">
+                <a:tint val="15000"/>
+                <a:satMod val="350000"/>
+              </a:schemeClr>
+            </a:gs>
+          </a:gsLst>
+          <a:lin ang="16200000" scaled="1"/>
+        </a:gradFill>
+        <a:gradFill rotWithShape="1">
+          <a:gsLst>
+            <a:gs pos="0">
+              <a:schemeClr val="phClr">
+                <a:tint val="100000"/>
+                <a:shade val="100000"/>
+                <a:satMod val="130000"/>
+              </a:schemeClr>
+            </a:gs>
+            <a:gs pos="100000">
+              <a:schemeClr val="phClr">
+                <a:tint val="50000"/>
+                <a:shade val="100000"/>
+                <a:satMod val="350000"/>
+              </a:schemeClr>
+            </a:gs>
+          </a:gsLst>
+          <a:lin ang="16200000" scaled="0"/>
+        </a:gradFill>
+      </a:fillStyleLst>
+      <a:lnStyleLst>
+        <a:ln w="9525" cap="flat" cmpd="sng" algn="ctr">
+          <a:solidFill>
+            <a:schemeClr val="phClr">
+              <a:shade val="95000"/>
+              <a:satMod val="105000"/>
+            </a:schemeClr>
+          </a:solidFill>
+          <a:prstDash val="solid"/>
+        </a:ln>
+        <a:ln w="25400" cap="flat" cmpd="sng" algn="ctr">
+          <a:solidFill>
+            <a:schemeClr val="phClr"/>
+          </a:solidFill>
+          <a:prstDash val="solid"/>
+        </a:ln>
+        <a:ln w="38100" cap="flat" cmpd="sng" algn="ctr">
+          <a:solidFill>
+            <a:schemeClr val="phClr"/>
+          </a:solidFill>
+          <a:prstDash val="solid"/>
+        </a:ln>
+      </a:lnStyleLst>
+      <a:effectStyleLst>
+        <a:effectStyle>
+          <a:effectLst>
+            <a:outerShdw blurRad="40000" dist="20000" dir="5400000" rotWithShape="0">
+              <a:srgbClr val="000000">
+                <a:alpha val="38000"/>
+              </a:srgbClr>
+            </a:outerShdw>
+          </a:effectLst>
+        </a:effectStyle>
+        <a:effectStyle>
+          <a:effectLst>
+            <a:outerShdw blurRad="40000" dist="23000" dir="5400000" rotWithShape="0">
+              <a:srgbClr val="000000">
+                <a:alpha val="35000"/>
+              </a:srgbClr>
+            </a:outerShdw>
+          </a:effectLst>
+        </a:effectStyle>
+        <a:effectStyle>
+          <a:effectLst>
+            <a:outerShdw blurRad="40000" dist="23000" dir="5400000" rotWithShape="0">
+              <a:srgbClr val="000000">
+                <a:alpha val="35000"/>
+              </a:srgbClr>
+            </a:outerShdw>
+          </a:effectLst>
+          <a:scene3d>
+            <a:camera prst="orthographicFront">
+              <a:rot lat="0" lon="0" rev="0"/>
+            </a:camera>
+            <a:lightRig rig="threePt" dir="t">
+              <a:rot lat="0" lon="0" rev="1200000"/>
+            </a:lightRig>
+          </a:scene3d>
+          <a:sp3d>
+            <a:bevelT w="63500" h="25400"/>
+          </a:sp3d>
+        </a:effectStyle>
+      </a:effectStyleLst>
+      <a:bgFillStyleLst>
+        <a:solidFill>
+          <a:schemeClr val="phClr"/>
+        </a:solidFill>
+        <a:gradFill rotWithShape="1">
+          <a:gsLst>
+            <a:gs pos="0">
+              <a:schemeClr val="phClr">
+                <a:tint val="40000"/>
+                <a:satMod val="350000"/>
+              </a:schemeClr>
+            </a:gs>
+            <a:gs pos="40000">
+              <a:schemeClr val="phClr">
+                <a:tint val="45000"/>
+                <a:shade val="99000"/>
+                <a:satMod val="350000"/>
+              </a:schemeClr>
+            </a:gs>
+            <a:gs pos="100000">
+              <a:schemeClr val="phClr">
+                <a:shade val="20000"/>
+                <a:satMod val="255000"/>
+              </a:schemeClr>
+            </a:gs>
+          </a:gsLst>
+          <a:path path="circle">
+            <a:fillToRect l="50000" t="-80000" r="50000" b="180000"/>
+          </a:path>
+        </a:gradFill>
+        <a:gradFill rotWithShape="1">
+          <a:gsLst>
+            <a:gs pos="0">
+              <a:schemeClr val="phClr">
+                <a:tint val="80000"/>
+                <a:satMod val="300000"/>
+              </a:schemeClr>
+            </a:gs>
+            <a:gs pos="100000">
+              <a:schemeClr val="phClr">
+                <a:shade val="30000"/>
+                <a:satMod val="200000"/>
+              </a:schemeClr>
+            </a:gs>
+          </a:gsLst>
+          <a:path path="circle">
+            <a:fillToRect l="50000" t="50000" r="50000" b="50000"/>
+          </a:path>
+        </a:gradFill>
+      </a:bgFillStyleLst>
+    </a:fmtScheme>
+  </a:themeElements>
+</a:theme>
+</file>
+
+<file path=ppt/theme/theme2.xml><?xml version="1.0" encoding="utf-8"?>
 <a:theme xmlns:a="http://schemas.openxmlformats.org/drawingml/2006/main" xmlns:r="http://schemas.openxmlformats.org/officeDocument/2006/relationships" name="Focus">
   <a:themeElements>
     <a:clrScheme name="Focus">
@@ -13846,283 +14444,4 @@
     </a:fmtScheme>
   </a:themeElements>
 </a:theme>
-</file>
-
-<file path=ppt/theme/theme2.xml><?xml version="1.0" encoding="utf-8"?>
-<a:theme xmlns:a="http://schemas.openxmlformats.org/drawingml/2006/main" xmlns:r="http://schemas.openxmlformats.org/officeDocument/2006/relationships">
-  <a:themeElements>
-    <a:clrScheme name="Default">
-      <a:dk1>
-        <a:srgbClr val="000000"/>
-      </a:dk1>
-      <a:lt1>
-        <a:srgbClr val="FFFFFF"/>
-      </a:lt1>
-      <a:dk2>
-        <a:srgbClr val="158158"/>
-      </a:dk2>
-      <a:lt2>
-        <a:srgbClr val="F3F3F3"/>
-      </a:lt2>
-      <a:accent1>
-        <a:srgbClr val="058DC7"/>
-      </a:accent1>
-      <a:accent2>
-        <a:srgbClr val="50B432"/>
-      </a:accent2>
-      <a:accent3>
-        <a:srgbClr val="ED561B"/>
-      </a:accent3>
-      <a:accent4>
-        <a:srgbClr val="EDEF00"/>
-      </a:accent4>
-      <a:accent5>
-        <a:srgbClr val="24CBE5"/>
-      </a:accent5>
-      <a:accent6>
-        <a:srgbClr val="64E572"/>
-      </a:accent6>
-      <a:hlink>
-        <a:srgbClr val="2200CC"/>
-      </a:hlink>
-      <a:folHlink>
-        <a:srgbClr val="551A8B"/>
-      </a:folHlink>
-    </a:clrScheme>
-    <a:fontScheme name="Office">
-      <a:majorFont>
-        <a:latin typeface="Arial"/>
-        <a:ea typeface=""/>
-        <a:cs typeface=""/>
-        <a:font script="Jpan" typeface="ＭＳ Ｐゴシック"/>
-        <a:font script="Hang" typeface="맑은 고딕"/>
-        <a:font script="Hans" typeface="宋体"/>
-        <a:font script="Hant" typeface="新細明體"/>
-        <a:font script="Arab" typeface="Times New Roman"/>
-        <a:font script="Hebr" typeface="Times New Roman"/>
-        <a:font script="Thai" typeface="Angsana New"/>
-        <a:font script="Ethi" typeface="Nyala"/>
-        <a:font script="Beng" typeface="Vrinda"/>
-        <a:font script="Gujr" typeface="Shruti"/>
-        <a:font script="Khmr" typeface="MoolBoran"/>
-        <a:font script="Knda" typeface="Tunga"/>
-        <a:font script="Guru" typeface="Raavi"/>
-        <a:font script="Cans" typeface="Euphemia"/>
-        <a:font script="Cher" typeface="Plantagenet Cherokee"/>
-        <a:font script="Yiii" typeface="Microsoft Yi Baiti"/>
-        <a:font script="Tibt" typeface="Microsoft Himalaya"/>
-        <a:font script="Thaa" typeface="MV Boli"/>
-        <a:font script="Deva" typeface="Mangal"/>
-        <a:font script="Telu" typeface="Gautami"/>
-        <a:font script="Taml" typeface="Latha"/>
-        <a:font script="Syrc" typeface="Estrangelo Edessa"/>
-        <a:font script="Orya" typeface="Kalinga"/>
-        <a:font script="Mlym" typeface="Kartika"/>
-        <a:font script="Laoo" typeface="DokChampa"/>
-        <a:font script="Sinh" typeface="Iskoola Pota"/>
-        <a:font script="Mong" typeface="Mongolian Baiti"/>
-        <a:font script="Viet" typeface="Times New Roman"/>
-        <a:font script="Uigh" typeface="Microsoft Uighur"/>
-        <a:font script="Geor" typeface="Sylfaen"/>
-      </a:majorFont>
-      <a:minorFont>
-        <a:latin typeface="Arial"/>
-        <a:ea typeface=""/>
-        <a:cs typeface=""/>
-        <a:font script="Jpan" typeface="ＭＳ Ｐゴシック"/>
-        <a:font script="Hang" typeface="맑은 고딕"/>
-        <a:font script="Hans" typeface="宋体"/>
-        <a:font script="Hant" typeface="新細明體"/>
-        <a:font script="Arab" typeface="Arial"/>
-        <a:font script="Hebr" typeface="Arial"/>
-        <a:font script="Thai" typeface="Cordia New"/>
-        <a:font script="Ethi" typeface="Nyala"/>
-        <a:font script="Beng" typeface="Vrinda"/>
-        <a:font script="Gujr" typeface="Shruti"/>
-        <a:font script="Khmr" typeface="DaunPenh"/>
-        <a:font script="Knda" typeface="Tunga"/>
-        <a:font script="Guru" typeface="Raavi"/>
-        <a:font script="Cans" typeface="Euphemia"/>
-        <a:font script="Cher" typeface="Plantagenet Cherokee"/>
-        <a:font script="Yiii" typeface="Microsoft Yi Baiti"/>
-        <a:font script="Tibt" typeface="Microsoft Himalaya"/>
-        <a:font script="Thaa" typeface="MV Boli"/>
-        <a:font script="Deva" typeface="Mangal"/>
-        <a:font script="Telu" typeface="Gautami"/>
-        <a:font script="Taml" typeface="Latha"/>
-        <a:font script="Syrc" typeface="Estrangelo Edessa"/>
-        <a:font script="Orya" typeface="Kalinga"/>
-        <a:font script="Mlym" typeface="Kartika"/>
-        <a:font script="Laoo" typeface="DokChampa"/>
-        <a:font script="Sinh" typeface="Iskoola Pota"/>
-        <a:font script="Mong" typeface="Mongolian Baiti"/>
-        <a:font script="Viet" typeface="Arial"/>
-        <a:font script="Uigh" typeface="Microsoft Uighur"/>
-        <a:font script="Geor" typeface="Sylfaen"/>
-      </a:minorFont>
-    </a:fontScheme>
-    <a:fmtScheme name="Office">
-      <a:fillStyleLst>
-        <a:solidFill>
-          <a:schemeClr val="phClr"/>
-        </a:solidFill>
-        <a:gradFill rotWithShape="1">
-          <a:gsLst>
-            <a:gs pos="0">
-              <a:schemeClr val="phClr">
-                <a:tint val="50000"/>
-                <a:satMod val="300000"/>
-              </a:schemeClr>
-            </a:gs>
-            <a:gs pos="35000">
-              <a:schemeClr val="phClr">
-                <a:tint val="37000"/>
-                <a:satMod val="300000"/>
-              </a:schemeClr>
-            </a:gs>
-            <a:gs pos="100000">
-              <a:schemeClr val="phClr">
-                <a:tint val="15000"/>
-                <a:satMod val="350000"/>
-              </a:schemeClr>
-            </a:gs>
-          </a:gsLst>
-          <a:lin ang="16200000" scaled="1"/>
-        </a:gradFill>
-        <a:gradFill rotWithShape="1">
-          <a:gsLst>
-            <a:gs pos="0">
-              <a:schemeClr val="phClr">
-                <a:tint val="100000"/>
-                <a:shade val="100000"/>
-                <a:satMod val="130000"/>
-              </a:schemeClr>
-            </a:gs>
-            <a:gs pos="100000">
-              <a:schemeClr val="phClr">
-                <a:tint val="50000"/>
-                <a:shade val="100000"/>
-                <a:satMod val="350000"/>
-              </a:schemeClr>
-            </a:gs>
-          </a:gsLst>
-          <a:lin ang="16200000" scaled="0"/>
-        </a:gradFill>
-      </a:fillStyleLst>
-      <a:lnStyleLst>
-        <a:ln w="9525" cap="flat" cmpd="sng" algn="ctr">
-          <a:solidFill>
-            <a:schemeClr val="phClr">
-              <a:shade val="95000"/>
-              <a:satMod val="105000"/>
-            </a:schemeClr>
-          </a:solidFill>
-          <a:prstDash val="solid"/>
-        </a:ln>
-        <a:ln w="25400" cap="flat" cmpd="sng" algn="ctr">
-          <a:solidFill>
-            <a:schemeClr val="phClr"/>
-          </a:solidFill>
-          <a:prstDash val="solid"/>
-        </a:ln>
-        <a:ln w="38100" cap="flat" cmpd="sng" algn="ctr">
-          <a:solidFill>
-            <a:schemeClr val="phClr"/>
-          </a:solidFill>
-          <a:prstDash val="solid"/>
-        </a:ln>
-      </a:lnStyleLst>
-      <a:effectStyleLst>
-        <a:effectStyle>
-          <a:effectLst>
-            <a:outerShdw blurRad="40000" dist="20000" dir="5400000" rotWithShape="0">
-              <a:srgbClr val="000000">
-                <a:alpha val="38000"/>
-              </a:srgbClr>
-            </a:outerShdw>
-          </a:effectLst>
-        </a:effectStyle>
-        <a:effectStyle>
-          <a:effectLst>
-            <a:outerShdw blurRad="40000" dist="23000" dir="5400000" rotWithShape="0">
-              <a:srgbClr val="000000">
-                <a:alpha val="35000"/>
-              </a:srgbClr>
-            </a:outerShdw>
-          </a:effectLst>
-        </a:effectStyle>
-        <a:effectStyle>
-          <a:effectLst>
-            <a:outerShdw blurRad="40000" dist="23000" dir="5400000" rotWithShape="0">
-              <a:srgbClr val="000000">
-                <a:alpha val="35000"/>
-              </a:srgbClr>
-            </a:outerShdw>
-          </a:effectLst>
-          <a:scene3d>
-            <a:camera prst="orthographicFront">
-              <a:rot lat="0" lon="0" rev="0"/>
-            </a:camera>
-            <a:lightRig rig="threePt" dir="t">
-              <a:rot lat="0" lon="0" rev="1200000"/>
-            </a:lightRig>
-          </a:scene3d>
-          <a:sp3d>
-            <a:bevelT w="63500" h="25400"/>
-          </a:sp3d>
-        </a:effectStyle>
-      </a:effectStyleLst>
-      <a:bgFillStyleLst>
-        <a:solidFill>
-          <a:schemeClr val="phClr"/>
-        </a:solidFill>
-        <a:gradFill rotWithShape="1">
-          <a:gsLst>
-            <a:gs pos="0">
-              <a:schemeClr val="phClr">
-                <a:tint val="40000"/>
-                <a:satMod val="350000"/>
-              </a:schemeClr>
-            </a:gs>
-            <a:gs pos="40000">
-              <a:schemeClr val="phClr">
-                <a:tint val="45000"/>
-                <a:shade val="99000"/>
-                <a:satMod val="350000"/>
-              </a:schemeClr>
-            </a:gs>
-            <a:gs pos="100000">
-              <a:schemeClr val="phClr">
-                <a:shade val="20000"/>
-                <a:satMod val="255000"/>
-              </a:schemeClr>
-            </a:gs>
-          </a:gsLst>
-          <a:path path="circle">
-            <a:fillToRect l="50000" t="-80000" r="50000" b="180000"/>
-          </a:path>
-        </a:gradFill>
-        <a:gradFill rotWithShape="1">
-          <a:gsLst>
-            <a:gs pos="0">
-              <a:schemeClr val="phClr">
-                <a:tint val="80000"/>
-                <a:satMod val="300000"/>
-              </a:schemeClr>
-            </a:gs>
-            <a:gs pos="100000">
-              <a:schemeClr val="phClr">
-                <a:shade val="30000"/>
-                <a:satMod val="200000"/>
-              </a:schemeClr>
-            </a:gs>
-          </a:gsLst>
-          <a:path path="circle">
-            <a:fillToRect l="50000" t="50000" r="50000" b="50000"/>
-          </a:path>
-        </a:gradFill>
-      </a:bgFillStyleLst>
-    </a:fmtScheme>
-  </a:themeElements>
-</a:theme>
 </file>